--- a/Битоническая сортировка.pptx
+++ b/Битоническая сортировка.pptx
@@ -27,6 +27,8 @@
     <p:sldId id="274" r:id="rId21"/>
     <p:sldId id="275" r:id="rId22"/>
     <p:sldId id="276" r:id="rId23"/>
+    <p:sldId id="278" r:id="rId24"/>
+    <p:sldId id="279" r:id="rId25"/>
   </p:sldIdLst>
   <p:sldSz cx="12192000" cy="6858000"/>
   <p:notesSz cx="6858000" cy="9144000"/>
@@ -890,7 +892,7 @@
           <a:p>
             <a:fld id="{5F768BFB-0D85-4676-B4F9-E3BB1624314C}" type="datetimeFigureOut">
               <a:rPr lang="ru-RU" smtClean="0"/>
-              <a:t>01.04.2014</a:t>
+              <a:t>08.04.2014</a:t>
             </a:fld>
             <a:endParaRPr lang="ru-RU"/>
           </a:p>
@@ -1141,7 +1143,7 @@
           <a:p>
             <a:fld id="{5F768BFB-0D85-4676-B4F9-E3BB1624314C}" type="datetimeFigureOut">
               <a:rPr lang="ru-RU" smtClean="0"/>
-              <a:t>01.04.2014</a:t>
+              <a:t>08.04.2014</a:t>
             </a:fld>
             <a:endParaRPr lang="ru-RU"/>
           </a:p>
@@ -1455,7 +1457,7 @@
           <a:p>
             <a:fld id="{5F768BFB-0D85-4676-B4F9-E3BB1624314C}" type="datetimeFigureOut">
               <a:rPr lang="ru-RU" smtClean="0"/>
-              <a:t>01.04.2014</a:t>
+              <a:t>08.04.2014</a:t>
             </a:fld>
             <a:endParaRPr lang="ru-RU"/>
           </a:p>
@@ -1788,7 +1790,7 @@
           <a:p>
             <a:fld id="{5F768BFB-0D85-4676-B4F9-E3BB1624314C}" type="datetimeFigureOut">
               <a:rPr lang="ru-RU" smtClean="0"/>
-              <a:t>01.04.2014</a:t>
+              <a:t>08.04.2014</a:t>
             </a:fld>
             <a:endParaRPr lang="ru-RU"/>
           </a:p>
@@ -2102,7 +2104,7 @@
           <a:p>
             <a:fld id="{5F768BFB-0D85-4676-B4F9-E3BB1624314C}" type="datetimeFigureOut">
               <a:rPr lang="ru-RU" smtClean="0"/>
-              <a:t>01.04.2014</a:t>
+              <a:t>08.04.2014</a:t>
             </a:fld>
             <a:endParaRPr lang="ru-RU"/>
           </a:p>
@@ -2495,7 +2497,7 @@
           <a:p>
             <a:fld id="{5F768BFB-0D85-4676-B4F9-E3BB1624314C}" type="datetimeFigureOut">
               <a:rPr lang="ru-RU" smtClean="0"/>
-              <a:t>01.04.2014</a:t>
+              <a:t>08.04.2014</a:t>
             </a:fld>
             <a:endParaRPr lang="ru-RU"/>
           </a:p>
@@ -2665,7 +2667,7 @@
           <a:p>
             <a:fld id="{5F768BFB-0D85-4676-B4F9-E3BB1624314C}" type="datetimeFigureOut">
               <a:rPr lang="ru-RU" smtClean="0"/>
-              <a:t>01.04.2014</a:t>
+              <a:t>08.04.2014</a:t>
             </a:fld>
             <a:endParaRPr lang="ru-RU"/>
           </a:p>
@@ -2845,7 +2847,7 @@
           <a:p>
             <a:fld id="{5F768BFB-0D85-4676-B4F9-E3BB1624314C}" type="datetimeFigureOut">
               <a:rPr lang="ru-RU" smtClean="0"/>
-              <a:t>01.04.2014</a:t>
+              <a:t>08.04.2014</a:t>
             </a:fld>
             <a:endParaRPr lang="ru-RU"/>
           </a:p>
@@ -3015,7 +3017,7 @@
           <a:p>
             <a:fld id="{5F768BFB-0D85-4676-B4F9-E3BB1624314C}" type="datetimeFigureOut">
               <a:rPr lang="ru-RU" smtClean="0"/>
-              <a:t>01.04.2014</a:t>
+              <a:t>08.04.2014</a:t>
             </a:fld>
             <a:endParaRPr lang="ru-RU"/>
           </a:p>
@@ -3262,7 +3264,7 @@
           <a:p>
             <a:fld id="{5F768BFB-0D85-4676-B4F9-E3BB1624314C}" type="datetimeFigureOut">
               <a:rPr lang="ru-RU" smtClean="0"/>
-              <a:t>01.04.2014</a:t>
+              <a:t>08.04.2014</a:t>
             </a:fld>
             <a:endParaRPr lang="ru-RU"/>
           </a:p>
@@ -3494,7 +3496,7 @@
           <a:p>
             <a:fld id="{5F768BFB-0D85-4676-B4F9-E3BB1624314C}" type="datetimeFigureOut">
               <a:rPr lang="ru-RU" smtClean="0"/>
-              <a:t>01.04.2014</a:t>
+              <a:t>08.04.2014</a:t>
             </a:fld>
             <a:endParaRPr lang="ru-RU"/>
           </a:p>
@@ -3868,7 +3870,7 @@
           <a:p>
             <a:fld id="{5F768BFB-0D85-4676-B4F9-E3BB1624314C}" type="datetimeFigureOut">
               <a:rPr lang="ru-RU" smtClean="0"/>
-              <a:t>01.04.2014</a:t>
+              <a:t>08.04.2014</a:t>
             </a:fld>
             <a:endParaRPr lang="ru-RU"/>
           </a:p>
@@ -3991,7 +3993,7 @@
           <a:p>
             <a:fld id="{5F768BFB-0D85-4676-B4F9-E3BB1624314C}" type="datetimeFigureOut">
               <a:rPr lang="ru-RU" smtClean="0"/>
-              <a:t>01.04.2014</a:t>
+              <a:t>08.04.2014</a:t>
             </a:fld>
             <a:endParaRPr lang="ru-RU"/>
           </a:p>
@@ -4086,7 +4088,7 @@
           <a:p>
             <a:fld id="{5F768BFB-0D85-4676-B4F9-E3BB1624314C}" type="datetimeFigureOut">
               <a:rPr lang="ru-RU" smtClean="0"/>
-              <a:t>01.04.2014</a:t>
+              <a:t>08.04.2014</a:t>
             </a:fld>
             <a:endParaRPr lang="ru-RU"/>
           </a:p>
@@ -4341,7 +4343,7 @@
           <a:p>
             <a:fld id="{5F768BFB-0D85-4676-B4F9-E3BB1624314C}" type="datetimeFigureOut">
               <a:rPr lang="ru-RU" smtClean="0"/>
-              <a:t>01.04.2014</a:t>
+              <a:t>08.04.2014</a:t>
             </a:fld>
             <a:endParaRPr lang="ru-RU"/>
           </a:p>
@@ -4646,7 +4648,7 @@
           <a:p>
             <a:fld id="{5F768BFB-0D85-4676-B4F9-E3BB1624314C}" type="datetimeFigureOut">
               <a:rPr lang="ru-RU" smtClean="0"/>
-              <a:t>01.04.2014</a:t>
+              <a:t>08.04.2014</a:t>
             </a:fld>
             <a:endParaRPr lang="ru-RU"/>
           </a:p>
@@ -5348,7 +5350,7 @@
           <a:p>
             <a:fld id="{5F768BFB-0D85-4676-B4F9-E3BB1624314C}" type="datetimeFigureOut">
               <a:rPr lang="ru-RU" smtClean="0"/>
-              <a:t>01.04.2014</a:t>
+              <a:t>08.04.2014</a:t>
             </a:fld>
             <a:endParaRPr lang="ru-RU"/>
           </a:p>
@@ -7136,11 +7138,7 @@
             <a:pPr algn="just"/>
             <a:r>
               <a:rPr lang="ru-RU" dirty="0" smtClean="0"/>
-              <a:t>Поскольку мы </a:t>
-            </a:r>
-            <a:r>
-              <a:rPr lang="ru-RU" dirty="0" smtClean="0"/>
-              <a:t>используем сам </a:t>
+              <a:t>Поскольку мы используем сам </a:t>
             </a:r>
             <a:r>
               <a:rPr lang="ru-RU" dirty="0" err="1" smtClean="0"/>
@@ -7541,11 +7539,7 @@
             </a:r>
             <a:r>
               <a:rPr lang="ru-RU" dirty="0" smtClean="0"/>
-              <a:t> мы должны выбрать порядок сортировки основываясь на старших разрядах </a:t>
-            </a:r>
-            <a:r>
-              <a:rPr lang="ru-RU" dirty="0" smtClean="0"/>
-              <a:t>индекса первого элемента </a:t>
+              <a:t> мы должны выбрать порядок сортировки основываясь на старших разрядах индекса первого элемента </a:t>
             </a:r>
             <a:r>
               <a:rPr lang="ru-RU" dirty="0" err="1" smtClean="0"/>
@@ -7555,7 +7549,6 @@
               <a:rPr lang="ru-RU" dirty="0" smtClean="0"/>
               <a:t> в исходном массиве</a:t>
             </a:r>
-            <a:endParaRPr lang="ru-RU" dirty="0" smtClean="0"/>
           </a:p>
           <a:p>
             <a:r>
@@ -7759,12 +7752,28 @@
               <a:t>B</a:t>
             </a:r>
             <a:r>
-              <a:rPr lang="en-US" baseline="-25000" dirty="0" smtClean="0"/>
-              <a:t>j+1</a:t>
-            </a:r>
-            <a:r>
-              <a:rPr lang="ru-RU" dirty="0" smtClean="0"/>
-              <a:t> для всех </a:t>
+              <a:rPr lang="ru-RU" baseline="-25000" dirty="0" smtClean="0"/>
+              <a:t>2</a:t>
+            </a:r>
+            <a:r>
+              <a:rPr lang="en-US" baseline="30000" dirty="0" smtClean="0"/>
+              <a:t>j</a:t>
+            </a:r>
+            <a:r>
+              <a:rPr lang="ru-RU" baseline="30000" dirty="0" smtClean="0"/>
+              <a:t>+</a:t>
+            </a:r>
+            <a:r>
+              <a:rPr lang="en-US" baseline="30000" dirty="0" smtClean="0"/>
+              <a:t>1</a:t>
+            </a:r>
+            <a:r>
+              <a:rPr lang="ru-RU" dirty="0" smtClean="0"/>
+              <a:t> </a:t>
+            </a:r>
+            <a:r>
+              <a:rPr lang="ru-RU" dirty="0" smtClean="0"/>
+              <a:t>для всех </a:t>
             </a:r>
             <a:r>
               <a:rPr lang="ru-RU" dirty="0" err="1" smtClean="0"/>
@@ -10213,6 +10222,972 @@
 </p:sld>
 </file>
 
+<file path=ppt/slides/slide23.xml><?xml version="1.0" encoding="utf-8"?>
+<p:sld xmlns:a="http://schemas.openxmlformats.org/drawingml/2006/main" xmlns:r="http://schemas.openxmlformats.org/officeDocument/2006/relationships" xmlns:p="http://schemas.openxmlformats.org/presentationml/2006/main">
+  <p:cSld>
+    <p:spTree>
+      <p:nvGrpSpPr>
+        <p:cNvPr id="1" name=""/>
+        <p:cNvGrpSpPr/>
+        <p:nvPr/>
+      </p:nvGrpSpPr>
+      <p:grpSpPr>
+        <a:xfrm>
+          <a:off x="0" y="0"/>
+          <a:ext cx="0" cy="0"/>
+          <a:chOff x="0" y="0"/>
+          <a:chExt cx="0" cy="0"/>
+        </a:xfrm>
+      </p:grpSpPr>
+      <p:sp>
+        <p:nvSpPr>
+          <p:cNvPr id="2" name="Заголовок 1"/>
+          <p:cNvSpPr>
+            <a:spLocks noGrp="1"/>
+          </p:cNvSpPr>
+          <p:nvPr>
+            <p:ph type="title"/>
+          </p:nvPr>
+        </p:nvSpPr>
+        <p:spPr/>
+        <p:txBody>
+          <a:bodyPr/>
+          <a:lstStyle/>
+          <a:p>
+            <a:r>
+              <a:rPr lang="ru-RU" dirty="0"/>
+              <a:t>Алгоритм </a:t>
+            </a:r>
+            <a:r>
+              <a:rPr lang="ru-RU" dirty="0" err="1"/>
+              <a:t>битонической</a:t>
+            </a:r>
+            <a:r>
+              <a:rPr lang="ru-RU" dirty="0"/>
+              <a:t> сортировки </a:t>
+            </a:r>
+            <a:r>
+              <a:rPr lang="ru-RU" dirty="0" smtClean="0"/>
+              <a:t>с </a:t>
+            </a:r>
+            <a:r>
+              <a:rPr lang="ru-RU" dirty="0"/>
+              <a:t>использованием </a:t>
+            </a:r>
+            <a:r>
+              <a:rPr lang="en-US" dirty="0"/>
+              <a:t>CUDA</a:t>
+            </a:r>
+            <a:endParaRPr lang="ru-RU" dirty="0"/>
+          </a:p>
+        </p:txBody>
+      </p:sp>
+      <p:sp>
+        <p:nvSpPr>
+          <p:cNvPr id="3" name="Объект 2"/>
+          <p:cNvSpPr>
+            <a:spLocks noGrp="1"/>
+          </p:cNvSpPr>
+          <p:nvPr>
+            <p:ph idx="1"/>
+          </p:nvPr>
+        </p:nvSpPr>
+        <p:spPr/>
+        <p:txBody>
+          <a:bodyPr/>
+          <a:lstStyle/>
+          <a:p>
+            <a:pPr algn="just">
+              <a:buFont typeface="+mj-lt"/>
+              <a:buAutoNum type="arabicPeriod"/>
+            </a:pPr>
+            <a:r>
+              <a:rPr lang="ru-RU" dirty="0" smtClean="0"/>
+              <a:t>Разделить исходный массив размера </a:t>
+            </a:r>
+            <a:r>
+              <a:rPr lang="en-US" dirty="0" smtClean="0"/>
+              <a:t>N </a:t>
+            </a:r>
+            <a:r>
+              <a:rPr lang="ru-RU" dirty="0" smtClean="0"/>
+              <a:t>на </a:t>
+            </a:r>
+            <a:r>
+              <a:rPr lang="ru-RU" dirty="0" err="1" smtClean="0"/>
+              <a:t>подмассивы</a:t>
+            </a:r>
+            <a:r>
+              <a:rPr lang="ru-RU" dirty="0" smtClean="0"/>
+              <a:t> степеней двойки в соответствии с представлением </a:t>
+            </a:r>
+            <a:r>
+              <a:rPr lang="en-US" dirty="0" smtClean="0"/>
+              <a:t>N </a:t>
+            </a:r>
+            <a:r>
+              <a:rPr lang="ru-RU" dirty="0" smtClean="0"/>
+              <a:t>в двоичном базисе</a:t>
+            </a:r>
+          </a:p>
+          <a:p>
+            <a:pPr algn="just">
+              <a:buFont typeface="+mj-lt"/>
+              <a:buAutoNum type="arabicPeriod"/>
+            </a:pPr>
+            <a:r>
+              <a:rPr lang="ru-RU" dirty="0" smtClean="0"/>
+              <a:t>Для каждого массива размера </a:t>
+            </a:r>
+            <a:r>
+              <a:rPr lang="en-US" dirty="0" smtClean="0"/>
+              <a:t>2</a:t>
+            </a:r>
+            <a:r>
+              <a:rPr lang="en-US" baseline="30000" dirty="0" smtClean="0"/>
+              <a:t>k</a:t>
+            </a:r>
+            <a:r>
+              <a:rPr lang="en-US" dirty="0" smtClean="0"/>
+              <a:t> </a:t>
+            </a:r>
+            <a:r>
+              <a:rPr lang="ru-RU" dirty="0" smtClean="0"/>
+              <a:t>выполнить</a:t>
+            </a:r>
+          </a:p>
+          <a:p>
+            <a:pPr marL="800100" lvl="1" indent="-342900" algn="just">
+              <a:buFont typeface="+mj-lt"/>
+              <a:buAutoNum type="arabicParenR"/>
+            </a:pPr>
+            <a:r>
+              <a:rPr lang="ru-RU" dirty="0" smtClean="0"/>
+              <a:t>Цикл для </a:t>
+            </a:r>
+            <a:r>
+              <a:rPr lang="en-US" dirty="0"/>
+              <a:t>i</a:t>
+            </a:r>
+            <a:r>
+              <a:rPr lang="en-US" dirty="0" smtClean="0"/>
+              <a:t> </a:t>
+            </a:r>
+            <a:r>
+              <a:rPr lang="ru-RU" dirty="0" smtClean="0"/>
+              <a:t>от 1 до </a:t>
+            </a:r>
+            <a:r>
+              <a:rPr lang="en-US" dirty="0" smtClean="0"/>
+              <a:t>k</a:t>
+            </a:r>
+          </a:p>
+          <a:p>
+            <a:pPr marL="1200150" lvl="2" indent="-342900" algn="just">
+              <a:buFont typeface="+mj-lt"/>
+              <a:buAutoNum type="arabicParenR"/>
+            </a:pPr>
+            <a:r>
+              <a:rPr lang="ru-RU" dirty="0" smtClean="0"/>
+              <a:t>Цикл для </a:t>
+            </a:r>
+            <a:r>
+              <a:rPr lang="en-US" dirty="0" smtClean="0"/>
+              <a:t>j </a:t>
+            </a:r>
+            <a:r>
+              <a:rPr lang="ru-RU" dirty="0" smtClean="0"/>
+              <a:t>от </a:t>
+            </a:r>
+            <a:r>
+              <a:rPr lang="en-US" dirty="0" smtClean="0"/>
+              <a:t>i-1 </a:t>
+            </a:r>
+            <a:r>
+              <a:rPr lang="ru-RU" dirty="0" smtClean="0"/>
+              <a:t>до 0 с шагом -1</a:t>
+            </a:r>
+          </a:p>
+          <a:p>
+            <a:pPr marL="1657350" lvl="3" indent="-342900" algn="just">
+              <a:buFont typeface="+mj-lt"/>
+              <a:buAutoNum type="arabicParenR"/>
+            </a:pPr>
+            <a:r>
+              <a:rPr lang="ru-RU" dirty="0"/>
+              <a:t>На </a:t>
+            </a:r>
+            <a:r>
+              <a:rPr lang="en-US" dirty="0"/>
+              <a:t>GPU </a:t>
+            </a:r>
+            <a:r>
+              <a:rPr lang="ru-RU" dirty="0"/>
+              <a:t>запускается процедура </a:t>
+            </a:r>
+            <a:r>
+              <a:rPr lang="ru-RU" dirty="0" smtClean="0"/>
+              <a:t>применения ко всем элементам массива </a:t>
+            </a:r>
+            <a:r>
+              <a:rPr lang="ru-RU" dirty="0" err="1" smtClean="0"/>
+              <a:t>полуочистителя</a:t>
+            </a:r>
+            <a:r>
+              <a:rPr lang="ru-RU" dirty="0" smtClean="0"/>
+              <a:t> </a:t>
+            </a:r>
+            <a:r>
+              <a:rPr lang="en-US" dirty="0" smtClean="0"/>
+              <a:t>B</a:t>
+            </a:r>
+            <a:r>
+              <a:rPr lang="en-US" baseline="-25000" dirty="0" smtClean="0"/>
+              <a:t>2</a:t>
+            </a:r>
+            <a:r>
+              <a:rPr lang="en-US" baseline="30000" dirty="0" smtClean="0"/>
+              <a:t>j</a:t>
+            </a:r>
+            <a:r>
+              <a:rPr lang="ru-RU" dirty="0" smtClean="0"/>
+              <a:t> </a:t>
+            </a:r>
+          </a:p>
+          <a:p>
+            <a:pPr marL="1200150" lvl="2" indent="-342900" algn="just">
+              <a:buFont typeface="+mj-lt"/>
+              <a:buAutoNum type="arabicParenR"/>
+            </a:pPr>
+            <a:r>
+              <a:rPr lang="ru-RU" dirty="0" smtClean="0"/>
+              <a:t>Конец цикла для </a:t>
+            </a:r>
+            <a:r>
+              <a:rPr lang="en-US" dirty="0" smtClean="0"/>
+              <a:t>j</a:t>
+            </a:r>
+          </a:p>
+          <a:p>
+            <a:pPr marL="800100" lvl="1" indent="-342900" algn="just">
+              <a:buFont typeface="+mj-lt"/>
+              <a:buAutoNum type="arabicParenR"/>
+            </a:pPr>
+            <a:r>
+              <a:rPr lang="ru-RU" dirty="0" smtClean="0"/>
+              <a:t>Конец цикла для </a:t>
+            </a:r>
+            <a:r>
+              <a:rPr lang="en-US" dirty="0" smtClean="0"/>
+              <a:t>i</a:t>
+            </a:r>
+          </a:p>
+          <a:p>
+            <a:pPr algn="just">
+              <a:buFont typeface="+mj-lt"/>
+              <a:buAutoNum type="arabicPeriod"/>
+            </a:pPr>
+            <a:r>
+              <a:rPr lang="ru-RU" dirty="0"/>
+              <a:t>На </a:t>
+            </a:r>
+            <a:r>
+              <a:rPr lang="en-US" dirty="0"/>
+              <a:t>GPU </a:t>
+            </a:r>
+            <a:r>
+              <a:rPr lang="ru-RU" dirty="0"/>
+              <a:t>запускается процедура </a:t>
+            </a:r>
+            <a:r>
+              <a:rPr lang="ru-RU" dirty="0" smtClean="0"/>
+              <a:t>слияния всех </a:t>
+            </a:r>
+            <a:r>
+              <a:rPr lang="ru-RU" dirty="0"/>
+              <a:t>отсортированных </a:t>
+            </a:r>
+            <a:r>
+              <a:rPr lang="ru-RU" dirty="0" err="1" smtClean="0"/>
+              <a:t>подмассивов</a:t>
+            </a:r>
+            <a:r>
+              <a:rPr lang="ru-RU" dirty="0" smtClean="0"/>
+              <a:t> </a:t>
+            </a:r>
+            <a:r>
+              <a:rPr lang="ru-RU" dirty="0"/>
+              <a:t>размера </a:t>
+            </a:r>
+            <a:r>
+              <a:rPr lang="en-US" dirty="0"/>
+              <a:t>2</a:t>
+            </a:r>
+            <a:r>
+              <a:rPr lang="en-US" baseline="30000" dirty="0"/>
+              <a:t>k</a:t>
+            </a:r>
+            <a:r>
+              <a:rPr lang="en-US" dirty="0"/>
+              <a:t> </a:t>
+            </a:r>
+            <a:r>
+              <a:rPr lang="ru-RU" dirty="0"/>
+              <a:t> </a:t>
+            </a:r>
+            <a:r>
+              <a:rPr lang="en-US" dirty="0" smtClean="0"/>
+              <a:t>k=0..31</a:t>
+            </a:r>
+            <a:endParaRPr lang="en-US" dirty="0"/>
+          </a:p>
+        </p:txBody>
+      </p:sp>
+    </p:spTree>
+    <p:extLst>
+      <p:ext uri="{BB962C8B-B14F-4D97-AF65-F5344CB8AC3E}">
+        <p14:creationId xmlns:p14="http://schemas.microsoft.com/office/powerpoint/2010/main" val="2855377589"/>
+      </p:ext>
+    </p:extLst>
+  </p:cSld>
+  <p:clrMapOvr>
+    <a:masterClrMapping/>
+  </p:clrMapOvr>
+</p:sld>
+</file>
+
+<file path=ppt/slides/slide24.xml><?xml version="1.0" encoding="utf-8"?>
+<p:sld xmlns:a="http://schemas.openxmlformats.org/drawingml/2006/main" xmlns:r="http://schemas.openxmlformats.org/officeDocument/2006/relationships" xmlns:p="http://schemas.openxmlformats.org/presentationml/2006/main">
+  <p:cSld>
+    <p:spTree>
+      <p:nvGrpSpPr>
+        <p:cNvPr id="1" name=""/>
+        <p:cNvGrpSpPr/>
+        <p:nvPr/>
+      </p:nvGrpSpPr>
+      <p:grpSpPr>
+        <a:xfrm>
+          <a:off x="0" y="0"/>
+          <a:ext cx="0" cy="0"/>
+          <a:chOff x="0" y="0"/>
+          <a:chExt cx="0" cy="0"/>
+        </a:xfrm>
+      </p:grpSpPr>
+      <p:sp>
+        <p:nvSpPr>
+          <p:cNvPr id="2" name="Заголовок 1"/>
+          <p:cNvSpPr>
+            <a:spLocks noGrp="1"/>
+          </p:cNvSpPr>
+          <p:nvPr>
+            <p:ph type="title"/>
+          </p:nvPr>
+        </p:nvSpPr>
+        <p:spPr/>
+        <p:txBody>
+          <a:bodyPr/>
+          <a:lstStyle/>
+          <a:p>
+            <a:r>
+              <a:rPr lang="ru-RU" dirty="0"/>
+              <a:t>Алгоритм </a:t>
+            </a:r>
+            <a:r>
+              <a:rPr lang="ru-RU" dirty="0" err="1" smtClean="0"/>
+              <a:t>битонической</a:t>
+            </a:r>
+            <a:r>
+              <a:rPr lang="ru-RU" dirty="0" smtClean="0"/>
+              <a:t> сортировки </a:t>
+            </a:r>
+            <a:r>
+              <a:rPr lang="ru-RU" dirty="0"/>
+              <a:t>с использованием MPI</a:t>
+            </a:r>
+          </a:p>
+        </p:txBody>
+      </p:sp>
+      <p:sp>
+        <p:nvSpPr>
+          <p:cNvPr id="3" name="Объект 2"/>
+          <p:cNvSpPr>
+            <a:spLocks noGrp="1"/>
+          </p:cNvSpPr>
+          <p:nvPr>
+            <p:ph idx="1"/>
+          </p:nvPr>
+        </p:nvSpPr>
+        <p:spPr/>
+        <p:txBody>
+          <a:bodyPr>
+            <a:normAutofit fontScale="47500" lnSpcReduction="20000"/>
+          </a:bodyPr>
+          <a:lstStyle/>
+          <a:p>
+            <a:pPr algn="just">
+              <a:buFont typeface="+mj-lt"/>
+              <a:buAutoNum type="arabicPeriod"/>
+            </a:pPr>
+            <a:r>
+              <a:rPr lang="ru-RU" dirty="0"/>
+              <a:t>Хост-процесс формирует </a:t>
+            </a:r>
+            <a:r>
+              <a:rPr lang="ru-RU" dirty="0" smtClean="0"/>
+              <a:t>исходный массив</a:t>
+            </a:r>
+          </a:p>
+          <a:p>
+            <a:pPr algn="just">
+              <a:buFont typeface="+mj-lt"/>
+              <a:buAutoNum type="arabicPeriod"/>
+            </a:pPr>
+            <a:r>
+              <a:rPr lang="ru-RU" dirty="0"/>
+              <a:t>Хост-процесс </a:t>
+            </a:r>
+            <a:r>
+              <a:rPr lang="ru-RU" dirty="0" smtClean="0"/>
+              <a:t>разделяет </a:t>
+            </a:r>
+            <a:r>
+              <a:rPr lang="ru-RU" dirty="0"/>
+              <a:t>исходный массив размера </a:t>
+            </a:r>
+            <a:r>
+              <a:rPr lang="en-US" dirty="0"/>
+              <a:t>N </a:t>
+            </a:r>
+            <a:r>
+              <a:rPr lang="ru-RU" dirty="0"/>
+              <a:t>на </a:t>
+            </a:r>
+            <a:r>
+              <a:rPr lang="ru-RU" dirty="0" err="1"/>
+              <a:t>подмассивы</a:t>
+            </a:r>
+            <a:r>
+              <a:rPr lang="ru-RU" dirty="0"/>
+              <a:t> степеней двойки в соответствии с представлением </a:t>
+            </a:r>
+            <a:r>
+              <a:rPr lang="en-US" dirty="0"/>
+              <a:t>N </a:t>
+            </a:r>
+            <a:r>
+              <a:rPr lang="ru-RU" dirty="0"/>
+              <a:t>в двоичном </a:t>
+            </a:r>
+            <a:r>
+              <a:rPr lang="ru-RU" dirty="0" smtClean="0"/>
+              <a:t>базисе</a:t>
+            </a:r>
+          </a:p>
+          <a:p>
+            <a:pPr algn="just">
+              <a:buFont typeface="+mj-lt"/>
+              <a:buAutoNum type="arabicPeriod"/>
+            </a:pPr>
+            <a:r>
+              <a:rPr lang="ru-RU" dirty="0" smtClean="0"/>
+              <a:t>Для </a:t>
+            </a:r>
+            <a:r>
+              <a:rPr lang="ru-RU" dirty="0"/>
+              <a:t>каждого массива размера </a:t>
+            </a:r>
+            <a:r>
+              <a:rPr lang="en-US" dirty="0"/>
+              <a:t>2</a:t>
+            </a:r>
+            <a:r>
+              <a:rPr lang="en-US" baseline="30000" dirty="0"/>
+              <a:t>k</a:t>
+            </a:r>
+            <a:r>
+              <a:rPr lang="en-US" dirty="0"/>
+              <a:t> </a:t>
+            </a:r>
+            <a:r>
+              <a:rPr lang="ru-RU" dirty="0" smtClean="0"/>
+              <a:t>выполняется</a:t>
+            </a:r>
+            <a:endParaRPr lang="ru-RU" dirty="0"/>
+          </a:p>
+          <a:p>
+            <a:pPr marL="800100" lvl="1" indent="-342900" algn="just">
+              <a:buFont typeface="+mj-lt"/>
+              <a:buAutoNum type="arabicParenR"/>
+            </a:pPr>
+            <a:r>
+              <a:rPr lang="ru-RU" dirty="0" smtClean="0"/>
+              <a:t>Цикл </a:t>
+            </a:r>
+            <a:r>
+              <a:rPr lang="ru-RU" dirty="0"/>
+              <a:t>для </a:t>
+            </a:r>
+            <a:r>
+              <a:rPr lang="en-US" dirty="0" err="1"/>
+              <a:t>i</a:t>
+            </a:r>
+            <a:r>
+              <a:rPr lang="en-US" dirty="0"/>
+              <a:t> </a:t>
+            </a:r>
+            <a:r>
+              <a:rPr lang="ru-RU" dirty="0"/>
+              <a:t>от </a:t>
+            </a:r>
+            <a:r>
+              <a:rPr lang="ru-RU" dirty="0" smtClean="0"/>
+              <a:t>1 </a:t>
+            </a:r>
+            <a:r>
+              <a:rPr lang="ru-RU" dirty="0"/>
+              <a:t>до </a:t>
+            </a:r>
+            <a:r>
+              <a:rPr lang="en-US" dirty="0"/>
+              <a:t>k</a:t>
+            </a:r>
+          </a:p>
+          <a:p>
+            <a:pPr marL="1200150" lvl="2" indent="-342900" algn="just">
+              <a:buFont typeface="+mj-lt"/>
+              <a:buAutoNum type="arabicParenR"/>
+            </a:pPr>
+            <a:r>
+              <a:rPr lang="ru-RU" dirty="0" smtClean="0"/>
+              <a:t>Разделить массив </a:t>
+            </a:r>
+            <a:r>
+              <a:rPr lang="ru-RU" dirty="0"/>
+              <a:t>размера </a:t>
+            </a:r>
+            <a:r>
+              <a:rPr lang="en-US" dirty="0"/>
+              <a:t>2</a:t>
+            </a:r>
+            <a:r>
+              <a:rPr lang="en-US" baseline="30000" dirty="0"/>
+              <a:t>k</a:t>
+            </a:r>
+            <a:r>
+              <a:rPr lang="en-US" dirty="0"/>
+              <a:t> </a:t>
+            </a:r>
+            <a:r>
+              <a:rPr lang="ru-RU" dirty="0" smtClean="0"/>
+              <a:t>на </a:t>
+            </a:r>
+            <a:r>
+              <a:rPr lang="ru-RU" dirty="0" err="1" smtClean="0"/>
+              <a:t>подмассивы</a:t>
+            </a:r>
+            <a:r>
+              <a:rPr lang="ru-RU" dirty="0" smtClean="0"/>
+              <a:t> </a:t>
+            </a:r>
+            <a:r>
+              <a:rPr lang="ru-RU" dirty="0"/>
+              <a:t>размера </a:t>
+            </a:r>
+            <a:r>
+              <a:rPr lang="en-US" dirty="0" smtClean="0"/>
+              <a:t>2</a:t>
+            </a:r>
+            <a:r>
+              <a:rPr lang="en-US" baseline="30000" dirty="0"/>
+              <a:t>i</a:t>
+            </a:r>
+            <a:r>
+              <a:rPr lang="en-US" dirty="0" smtClean="0"/>
+              <a:t> </a:t>
+            </a:r>
+            <a:endParaRPr lang="ru-RU" dirty="0"/>
+          </a:p>
+          <a:p>
+            <a:pPr marL="1200150" lvl="2" indent="-342900" algn="just">
+              <a:buFont typeface="+mj-lt"/>
+              <a:buAutoNum type="arabicParenR"/>
+            </a:pPr>
+            <a:r>
+              <a:rPr lang="ru-RU" dirty="0" smtClean="0"/>
+              <a:t>Применить </a:t>
+            </a:r>
+            <a:r>
+              <a:rPr lang="ru-RU" dirty="0"/>
+              <a:t>ко всем элементам массива размера </a:t>
+            </a:r>
+            <a:r>
+              <a:rPr lang="en-US" dirty="0"/>
+              <a:t>2</a:t>
+            </a:r>
+            <a:r>
+              <a:rPr lang="en-US" baseline="30000" dirty="0"/>
+              <a:t>i</a:t>
+            </a:r>
+            <a:r>
+              <a:rPr lang="en-US" dirty="0"/>
+              <a:t> </a:t>
+            </a:r>
+            <a:r>
+              <a:rPr lang="ru-RU" dirty="0" smtClean="0"/>
+              <a:t>рекурсивную процедуру</a:t>
+            </a:r>
+            <a:r>
+              <a:rPr lang="en-US" dirty="0" smtClean="0"/>
+              <a:t> </a:t>
+            </a:r>
+            <a:r>
+              <a:rPr lang="ru-RU" dirty="0" err="1" smtClean="0"/>
+              <a:t>битонического</a:t>
+            </a:r>
+            <a:r>
+              <a:rPr lang="ru-RU" dirty="0" smtClean="0"/>
+              <a:t> слияния М</a:t>
+            </a:r>
+            <a:r>
+              <a:rPr lang="en-US" baseline="-25000" dirty="0" smtClean="0"/>
+              <a:t>2</a:t>
+            </a:r>
+            <a:r>
+              <a:rPr lang="en-US" baseline="30000" dirty="0" smtClean="0"/>
+              <a:t>i</a:t>
+            </a:r>
+            <a:r>
+              <a:rPr lang="ru-RU" dirty="0" smtClean="0"/>
+              <a:t> </a:t>
+            </a:r>
+          </a:p>
+          <a:p>
+            <a:pPr marL="1657350" lvl="3" indent="-342900" algn="just">
+              <a:buFont typeface="+mj-lt"/>
+              <a:buAutoNum type="arabicParenR"/>
+            </a:pPr>
+            <a:r>
+              <a:rPr lang="ru-RU" dirty="0" smtClean="0"/>
+              <a:t>К массиву применить </a:t>
+            </a:r>
+            <a:r>
+              <a:rPr lang="ru-RU" dirty="0" err="1" smtClean="0"/>
+              <a:t>полуочиститель</a:t>
+            </a:r>
+            <a:endParaRPr lang="ru-RU" dirty="0" smtClean="0"/>
+          </a:p>
+          <a:p>
+            <a:pPr marL="1657350" lvl="3" indent="-342900" algn="just">
+              <a:buFont typeface="+mj-lt"/>
+              <a:buAutoNum type="arabicParenR"/>
+            </a:pPr>
+            <a:r>
+              <a:rPr lang="ru-RU" dirty="0" smtClean="0"/>
+              <a:t>Разделить массив на левую и правую части</a:t>
+            </a:r>
+          </a:p>
+          <a:p>
+            <a:pPr marL="1657350" lvl="3" indent="-342900" algn="just">
+              <a:buFont typeface="+mj-lt"/>
+              <a:buAutoNum type="arabicParenR"/>
+            </a:pPr>
+            <a:r>
+              <a:rPr lang="ru-RU" dirty="0" smtClean="0"/>
+              <a:t>Если есть свободный процесс, то</a:t>
+            </a:r>
+          </a:p>
+          <a:p>
+            <a:pPr marL="2114550" lvl="4" indent="-342900" algn="just">
+              <a:buFont typeface="+mj-lt"/>
+              <a:buAutoNum type="arabicParenR"/>
+            </a:pPr>
+            <a:r>
+              <a:rPr lang="ru-RU" dirty="0" smtClean="0"/>
+              <a:t>Передать правую часть свободному процессу для применения </a:t>
+            </a:r>
+            <a:r>
+              <a:rPr lang="ru-RU" dirty="0" err="1" smtClean="0"/>
+              <a:t>битонического</a:t>
+            </a:r>
+            <a:r>
+              <a:rPr lang="ru-RU" dirty="0" smtClean="0"/>
+              <a:t> слияния</a:t>
+            </a:r>
+            <a:r>
+              <a:rPr lang="ru-RU" dirty="0"/>
+              <a:t> М</a:t>
+            </a:r>
+            <a:r>
+              <a:rPr lang="en-US" baseline="-25000" dirty="0"/>
+              <a:t>2</a:t>
+            </a:r>
+            <a:r>
+              <a:rPr lang="en-US" baseline="30000" dirty="0"/>
+              <a:t>i</a:t>
+            </a:r>
+            <a:r>
+              <a:rPr lang="ru-RU" baseline="30000" dirty="0"/>
+              <a:t>-1</a:t>
+            </a:r>
+            <a:r>
+              <a:rPr lang="ru-RU" dirty="0"/>
+              <a:t> </a:t>
+            </a:r>
+            <a:endParaRPr lang="ru-RU" dirty="0" smtClean="0"/>
+          </a:p>
+          <a:p>
+            <a:pPr marL="2114550" lvl="4" indent="-342900" algn="just">
+              <a:buFont typeface="+mj-lt"/>
+              <a:buAutoNum type="arabicParenR"/>
+            </a:pPr>
+            <a:r>
+              <a:rPr lang="ru-RU" dirty="0" smtClean="0"/>
+              <a:t>Применить </a:t>
+            </a:r>
+            <a:r>
+              <a:rPr lang="ru-RU" dirty="0"/>
+              <a:t>рекурсивную процедуру</a:t>
+            </a:r>
+            <a:r>
+              <a:rPr lang="en-US" dirty="0"/>
+              <a:t> </a:t>
+            </a:r>
+            <a:r>
+              <a:rPr lang="ru-RU" dirty="0" err="1"/>
+              <a:t>битонического</a:t>
+            </a:r>
+            <a:r>
+              <a:rPr lang="ru-RU" dirty="0"/>
+              <a:t> слияния М</a:t>
+            </a:r>
+            <a:r>
+              <a:rPr lang="en-US" baseline="-25000" dirty="0" smtClean="0"/>
+              <a:t>2</a:t>
+            </a:r>
+            <a:r>
+              <a:rPr lang="en-US" baseline="30000" dirty="0" smtClean="0"/>
+              <a:t>i</a:t>
+            </a:r>
+            <a:r>
+              <a:rPr lang="ru-RU" baseline="30000" dirty="0" smtClean="0"/>
+              <a:t>-1</a:t>
+            </a:r>
+            <a:r>
+              <a:rPr lang="ru-RU" dirty="0" smtClean="0"/>
+              <a:t> к левой части</a:t>
+            </a:r>
+          </a:p>
+          <a:p>
+            <a:pPr marL="2114550" lvl="4" indent="-342900" algn="just">
+              <a:buFont typeface="+mj-lt"/>
+              <a:buAutoNum type="arabicParenR"/>
+            </a:pPr>
+            <a:r>
+              <a:rPr lang="ru-RU" dirty="0" smtClean="0"/>
+              <a:t>Получить обратно правую часть</a:t>
+            </a:r>
+          </a:p>
+          <a:p>
+            <a:pPr marL="1657350" lvl="3" indent="-342900" algn="just">
+              <a:buFont typeface="+mj-lt"/>
+              <a:buAutoNum type="arabicParenR"/>
+            </a:pPr>
+            <a:r>
+              <a:rPr lang="ru-RU" dirty="0" smtClean="0"/>
+              <a:t>Иначе</a:t>
+            </a:r>
+          </a:p>
+          <a:p>
+            <a:pPr marL="2114550" lvl="4" indent="-342900" algn="just">
+              <a:buFont typeface="+mj-lt"/>
+              <a:buAutoNum type="arabicParenR"/>
+            </a:pPr>
+            <a:r>
+              <a:rPr lang="ru-RU" dirty="0"/>
+              <a:t>Применить рекурсивную процедуру</a:t>
+            </a:r>
+            <a:r>
+              <a:rPr lang="en-US" dirty="0"/>
+              <a:t> </a:t>
+            </a:r>
+            <a:r>
+              <a:rPr lang="ru-RU" dirty="0" err="1"/>
+              <a:t>битонического</a:t>
+            </a:r>
+            <a:r>
+              <a:rPr lang="ru-RU" dirty="0"/>
+              <a:t> слияния М</a:t>
+            </a:r>
+            <a:r>
+              <a:rPr lang="en-US" baseline="-25000" dirty="0"/>
+              <a:t>2</a:t>
+            </a:r>
+            <a:r>
+              <a:rPr lang="en-US" baseline="30000" dirty="0"/>
+              <a:t>i</a:t>
+            </a:r>
+            <a:r>
+              <a:rPr lang="ru-RU" baseline="30000" dirty="0"/>
+              <a:t>-1</a:t>
+            </a:r>
+            <a:r>
+              <a:rPr lang="ru-RU" dirty="0"/>
+              <a:t> </a:t>
+            </a:r>
+            <a:r>
+              <a:rPr lang="ru-RU" dirty="0" smtClean="0"/>
+              <a:t>к </a:t>
+            </a:r>
+            <a:r>
+              <a:rPr lang="ru-RU" dirty="0"/>
+              <a:t>левой части</a:t>
+            </a:r>
+          </a:p>
+          <a:p>
+            <a:pPr marL="2114550" lvl="4" indent="-342900" algn="just">
+              <a:buFont typeface="+mj-lt"/>
+              <a:buAutoNum type="arabicParenR"/>
+            </a:pPr>
+            <a:r>
+              <a:rPr lang="ru-RU" dirty="0"/>
+              <a:t>Применить рекурсивную процедуру</a:t>
+            </a:r>
+            <a:r>
+              <a:rPr lang="en-US" dirty="0"/>
+              <a:t> </a:t>
+            </a:r>
+            <a:r>
+              <a:rPr lang="ru-RU" dirty="0" err="1"/>
+              <a:t>битонического</a:t>
+            </a:r>
+            <a:r>
+              <a:rPr lang="ru-RU" dirty="0"/>
+              <a:t> слияния М</a:t>
+            </a:r>
+            <a:r>
+              <a:rPr lang="en-US" baseline="-25000" dirty="0"/>
+              <a:t>2</a:t>
+            </a:r>
+            <a:r>
+              <a:rPr lang="en-US" baseline="30000" dirty="0"/>
+              <a:t>i</a:t>
+            </a:r>
+            <a:r>
+              <a:rPr lang="ru-RU" baseline="30000" dirty="0"/>
+              <a:t>-1</a:t>
+            </a:r>
+            <a:r>
+              <a:rPr lang="ru-RU" dirty="0"/>
+              <a:t> </a:t>
+            </a:r>
+            <a:r>
+              <a:rPr lang="ru-RU" dirty="0" smtClean="0"/>
+              <a:t>к правой части</a:t>
+            </a:r>
+            <a:endParaRPr lang="ru-RU" dirty="0"/>
+          </a:p>
+          <a:p>
+            <a:pPr marL="1200150" lvl="2" indent="-342900" algn="just">
+              <a:buFont typeface="+mj-lt"/>
+              <a:buAutoNum type="arabicParenR"/>
+            </a:pPr>
+            <a:r>
+              <a:rPr lang="ru-RU" dirty="0" smtClean="0"/>
+              <a:t>Конец цикла</a:t>
+            </a:r>
+            <a:endParaRPr lang="en-US" dirty="0" smtClean="0"/>
+          </a:p>
+          <a:p>
+            <a:pPr marL="800100" lvl="1" indent="-342900" algn="just">
+              <a:buFont typeface="+mj-lt"/>
+              <a:buAutoNum type="arabicParenR"/>
+            </a:pPr>
+            <a:r>
+              <a:rPr lang="ru-RU" dirty="0" smtClean="0"/>
+              <a:t>Конец </a:t>
+            </a:r>
+            <a:r>
+              <a:rPr lang="ru-RU" dirty="0"/>
+              <a:t>цикла для </a:t>
+            </a:r>
+            <a:r>
+              <a:rPr lang="en-US" dirty="0" err="1" smtClean="0"/>
+              <a:t>i</a:t>
+            </a:r>
+            <a:endParaRPr lang="en-US" dirty="0"/>
+          </a:p>
+          <a:p>
+            <a:pPr algn="just">
+              <a:buFont typeface="+mj-lt"/>
+              <a:buAutoNum type="arabicPeriod"/>
+            </a:pPr>
+            <a:r>
+              <a:rPr lang="ru-RU" dirty="0"/>
+              <a:t>Хост-процесс </a:t>
+            </a:r>
+            <a:r>
+              <a:rPr lang="ru-RU" dirty="0" smtClean="0"/>
+              <a:t>применяет процедуру слияния всех </a:t>
+            </a:r>
+            <a:r>
+              <a:rPr lang="ru-RU" dirty="0"/>
+              <a:t>отсортированных </a:t>
+            </a:r>
+            <a:r>
+              <a:rPr lang="ru-RU" dirty="0" err="1" smtClean="0"/>
+              <a:t>подмассивов</a:t>
+            </a:r>
+            <a:r>
+              <a:rPr lang="ru-RU" dirty="0" smtClean="0"/>
+              <a:t> </a:t>
+            </a:r>
+            <a:r>
+              <a:rPr lang="ru-RU" dirty="0"/>
+              <a:t>размера </a:t>
+            </a:r>
+            <a:r>
+              <a:rPr lang="en-US" dirty="0"/>
+              <a:t>2</a:t>
+            </a:r>
+            <a:r>
+              <a:rPr lang="en-US" baseline="30000" dirty="0"/>
+              <a:t>k</a:t>
+            </a:r>
+            <a:r>
+              <a:rPr lang="en-US" dirty="0"/>
+              <a:t> k=0..31</a:t>
+            </a:r>
+          </a:p>
+          <a:p>
+            <a:pPr algn="just">
+              <a:buFont typeface="+mj-lt"/>
+              <a:buAutoNum type="arabicPeriod"/>
+            </a:pPr>
+            <a:endParaRPr lang="en-US" dirty="0"/>
+          </a:p>
+          <a:p>
+            <a:pPr algn="just"/>
+            <a:endParaRPr lang="ru-RU" dirty="0"/>
+          </a:p>
+          <a:p>
+            <a:pPr algn="just"/>
+            <a:endParaRPr lang="ru-RU" dirty="0"/>
+          </a:p>
+        </p:txBody>
+      </p:sp>
+    </p:spTree>
+    <p:extLst>
+      <p:ext uri="{BB962C8B-B14F-4D97-AF65-F5344CB8AC3E}">
+        <p14:creationId xmlns:p14="http://schemas.microsoft.com/office/powerpoint/2010/main" val="4281331268"/>
+      </p:ext>
+    </p:extLst>
+  </p:cSld>
+  <p:clrMapOvr>
+    <a:masterClrMapping/>
+  </p:clrMapOvr>
+</p:sld>
+</file>
+
 <file path=ppt/slides/slide3.xml><?xml version="1.0" encoding="utf-8"?>
 <p:sld xmlns:a="http://schemas.openxmlformats.org/drawingml/2006/main" xmlns:r="http://schemas.openxmlformats.org/officeDocument/2006/relationships" xmlns:p="http://schemas.openxmlformats.org/presentationml/2006/main">
   <p:cSld>
@@ -11202,11 +12177,7 @@
             <a:pPr algn="just"/>
             <a:r>
               <a:rPr lang="ru-RU" dirty="0" smtClean="0"/>
-              <a:t>Поскольку в </a:t>
-            </a:r>
-            <a:r>
-              <a:rPr lang="ru-RU" dirty="0" smtClean="0"/>
-              <a:t>основе алгоритма лежит </a:t>
+              <a:t>Поскольку в основе алгоритма лежит </a:t>
             </a:r>
             <a:r>
               <a:rPr lang="ru-RU" dirty="0"/>
@@ -11302,19 +12273,7 @@
             </a:r>
             <a:r>
               <a:rPr lang="ru-RU" dirty="0" smtClean="0"/>
-              <a:t>, то очевидно</a:t>
-            </a:r>
-            <a:r>
-              <a:rPr lang="ru-RU" dirty="0" smtClean="0"/>
-              <a:t>, что это накладывает ограничение на размер массива к которому может быть </a:t>
-            </a:r>
-            <a:r>
-              <a:rPr lang="ru-RU" dirty="0" smtClean="0"/>
-              <a:t>применён </a:t>
-            </a:r>
-            <a:r>
-              <a:rPr lang="ru-RU" dirty="0" smtClean="0"/>
-              <a:t>алгоритм </a:t>
+              <a:t>, то очевидно, что это накладывает ограничение на размер массива к которому может быть применён алгоритм </a:t>
             </a:r>
             <a:r>
               <a:rPr lang="ru-RU" dirty="0" err="1" smtClean="0"/>
@@ -11324,7 +12283,6 @@
               <a:rPr lang="ru-RU" dirty="0" smtClean="0"/>
               <a:t> сортировки – размер массива должен быть равен степени двойки, то есть </a:t>
             </a:r>
-            <a:endParaRPr lang="ru-RU" dirty="0" smtClean="0"/>
           </a:p>
           <a:p>
             <a:pPr marL="0" indent="0" algn="ctr">

--- a/Битоническая сортировка.pptx
+++ b/Битоническая сортировка.pptx
@@ -892,7 +892,7 @@
           <a:p>
             <a:fld id="{5F768BFB-0D85-4676-B4F9-E3BB1624314C}" type="datetimeFigureOut">
               <a:rPr lang="ru-RU" smtClean="0"/>
-              <a:t>08.04.2014</a:t>
+              <a:t>27.05.2014</a:t>
             </a:fld>
             <a:endParaRPr lang="ru-RU"/>
           </a:p>
@@ -1143,7 +1143,7 @@
           <a:p>
             <a:fld id="{5F768BFB-0D85-4676-B4F9-E3BB1624314C}" type="datetimeFigureOut">
               <a:rPr lang="ru-RU" smtClean="0"/>
-              <a:t>08.04.2014</a:t>
+              <a:t>27.05.2014</a:t>
             </a:fld>
             <a:endParaRPr lang="ru-RU"/>
           </a:p>
@@ -1457,7 +1457,7 @@
           <a:p>
             <a:fld id="{5F768BFB-0D85-4676-B4F9-E3BB1624314C}" type="datetimeFigureOut">
               <a:rPr lang="ru-RU" smtClean="0"/>
-              <a:t>08.04.2014</a:t>
+              <a:t>27.05.2014</a:t>
             </a:fld>
             <a:endParaRPr lang="ru-RU"/>
           </a:p>
@@ -1790,7 +1790,7 @@
           <a:p>
             <a:fld id="{5F768BFB-0D85-4676-B4F9-E3BB1624314C}" type="datetimeFigureOut">
               <a:rPr lang="ru-RU" smtClean="0"/>
-              <a:t>08.04.2014</a:t>
+              <a:t>27.05.2014</a:t>
             </a:fld>
             <a:endParaRPr lang="ru-RU"/>
           </a:p>
@@ -2104,7 +2104,7 @@
           <a:p>
             <a:fld id="{5F768BFB-0D85-4676-B4F9-E3BB1624314C}" type="datetimeFigureOut">
               <a:rPr lang="ru-RU" smtClean="0"/>
-              <a:t>08.04.2014</a:t>
+              <a:t>27.05.2014</a:t>
             </a:fld>
             <a:endParaRPr lang="ru-RU"/>
           </a:p>
@@ -2497,7 +2497,7 @@
           <a:p>
             <a:fld id="{5F768BFB-0D85-4676-B4F9-E3BB1624314C}" type="datetimeFigureOut">
               <a:rPr lang="ru-RU" smtClean="0"/>
-              <a:t>08.04.2014</a:t>
+              <a:t>27.05.2014</a:t>
             </a:fld>
             <a:endParaRPr lang="ru-RU"/>
           </a:p>
@@ -2667,7 +2667,7 @@
           <a:p>
             <a:fld id="{5F768BFB-0D85-4676-B4F9-E3BB1624314C}" type="datetimeFigureOut">
               <a:rPr lang="ru-RU" smtClean="0"/>
-              <a:t>08.04.2014</a:t>
+              <a:t>27.05.2014</a:t>
             </a:fld>
             <a:endParaRPr lang="ru-RU"/>
           </a:p>
@@ -2847,7 +2847,7 @@
           <a:p>
             <a:fld id="{5F768BFB-0D85-4676-B4F9-E3BB1624314C}" type="datetimeFigureOut">
               <a:rPr lang="ru-RU" smtClean="0"/>
-              <a:t>08.04.2014</a:t>
+              <a:t>27.05.2014</a:t>
             </a:fld>
             <a:endParaRPr lang="ru-RU"/>
           </a:p>
@@ -3017,7 +3017,7 @@
           <a:p>
             <a:fld id="{5F768BFB-0D85-4676-B4F9-E3BB1624314C}" type="datetimeFigureOut">
               <a:rPr lang="ru-RU" smtClean="0"/>
-              <a:t>08.04.2014</a:t>
+              <a:t>27.05.2014</a:t>
             </a:fld>
             <a:endParaRPr lang="ru-RU"/>
           </a:p>
@@ -3264,7 +3264,7 @@
           <a:p>
             <a:fld id="{5F768BFB-0D85-4676-B4F9-E3BB1624314C}" type="datetimeFigureOut">
               <a:rPr lang="ru-RU" smtClean="0"/>
-              <a:t>08.04.2014</a:t>
+              <a:t>27.05.2014</a:t>
             </a:fld>
             <a:endParaRPr lang="ru-RU"/>
           </a:p>
@@ -3496,7 +3496,7 @@
           <a:p>
             <a:fld id="{5F768BFB-0D85-4676-B4F9-E3BB1624314C}" type="datetimeFigureOut">
               <a:rPr lang="ru-RU" smtClean="0"/>
-              <a:t>08.04.2014</a:t>
+              <a:t>27.05.2014</a:t>
             </a:fld>
             <a:endParaRPr lang="ru-RU"/>
           </a:p>
@@ -3870,7 +3870,7 @@
           <a:p>
             <a:fld id="{5F768BFB-0D85-4676-B4F9-E3BB1624314C}" type="datetimeFigureOut">
               <a:rPr lang="ru-RU" smtClean="0"/>
-              <a:t>08.04.2014</a:t>
+              <a:t>27.05.2014</a:t>
             </a:fld>
             <a:endParaRPr lang="ru-RU"/>
           </a:p>
@@ -3993,7 +3993,7 @@
           <a:p>
             <a:fld id="{5F768BFB-0D85-4676-B4F9-E3BB1624314C}" type="datetimeFigureOut">
               <a:rPr lang="ru-RU" smtClean="0"/>
-              <a:t>08.04.2014</a:t>
+              <a:t>27.05.2014</a:t>
             </a:fld>
             <a:endParaRPr lang="ru-RU"/>
           </a:p>
@@ -4088,7 +4088,7 @@
           <a:p>
             <a:fld id="{5F768BFB-0D85-4676-B4F9-E3BB1624314C}" type="datetimeFigureOut">
               <a:rPr lang="ru-RU" smtClean="0"/>
-              <a:t>08.04.2014</a:t>
+              <a:t>27.05.2014</a:t>
             </a:fld>
             <a:endParaRPr lang="ru-RU"/>
           </a:p>
@@ -4343,7 +4343,7 @@
           <a:p>
             <a:fld id="{5F768BFB-0D85-4676-B4F9-E3BB1624314C}" type="datetimeFigureOut">
               <a:rPr lang="ru-RU" smtClean="0"/>
-              <a:t>08.04.2014</a:t>
+              <a:t>27.05.2014</a:t>
             </a:fld>
             <a:endParaRPr lang="ru-RU"/>
           </a:p>
@@ -4648,7 +4648,7 @@
           <a:p>
             <a:fld id="{5F768BFB-0D85-4676-B4F9-E3BB1624314C}" type="datetimeFigureOut">
               <a:rPr lang="ru-RU" smtClean="0"/>
-              <a:t>08.04.2014</a:t>
+              <a:t>27.05.2014</a:t>
             </a:fld>
             <a:endParaRPr lang="ru-RU"/>
           </a:p>
@@ -5350,7 +5350,7 @@
           <a:p>
             <a:fld id="{5F768BFB-0D85-4676-B4F9-E3BB1624314C}" type="datetimeFigureOut">
               <a:rPr lang="ru-RU" smtClean="0"/>
-              <a:t>08.04.2014</a:t>
+              <a:t>27.05.2014</a:t>
             </a:fld>
             <a:endParaRPr lang="ru-RU"/>
           </a:p>
@@ -7769,11 +7769,7 @@
             </a:r>
             <a:r>
               <a:rPr lang="ru-RU" dirty="0" smtClean="0"/>
-              <a:t> </a:t>
-            </a:r>
-            <a:r>
-              <a:rPr lang="ru-RU" dirty="0" smtClean="0"/>
-              <a:t>для всех </a:t>
+              <a:t> для всех </a:t>
             </a:r>
             <a:r>
               <a:rPr lang="ru-RU" dirty="0" err="1" smtClean="0"/>
@@ -10014,8 +10010,8 @@
         </p:nvSpPr>
         <p:spPr>
           <a:xfrm>
-            <a:off x="1056289" y="3791607"/>
-            <a:ext cx="8158655" cy="2151992"/>
+            <a:off x="1056289" y="3791606"/>
+            <a:ext cx="8158655" cy="2688021"/>
           </a:xfrm>
           <a:prstGeom prst="rect">
             <a:avLst/>
@@ -10052,20 +10048,13 @@
             </a:r>
             <a:r>
               <a:rPr lang="en-US" dirty="0" err="1" smtClean="0"/>
-              <a:t>myrank</a:t>
+              <a:t>myrank+shift</a:t>
             </a:r>
             <a:r>
               <a:rPr lang="en-US" dirty="0" smtClean="0"/>
-              <a:t>+(1&lt;&lt;</a:t>
-            </a:r>
-            <a:r>
-              <a:rPr lang="en-US" dirty="0" err="1" smtClean="0"/>
-              <a:t>i</a:t>
-            </a:r>
-            <a:r>
-              <a:rPr lang="en-US" dirty="0" smtClean="0"/>
-              <a:t>);</a:t>
-            </a:r>
+              <a:t>;</a:t>
+            </a:r>
+            <a:endParaRPr lang="en-US" dirty="0" smtClean="0"/>
           </a:p>
           <a:p>
             <a:r>
@@ -10084,6 +10073,17 @@
           <a:p>
             <a:r>
               <a:rPr lang="en-US" dirty="0" smtClean="0"/>
+              <a:t>shift</a:t>
+            </a:r>
+            <a:r>
+              <a:rPr lang="en-US" dirty="0"/>
+              <a:t>&lt;&lt;=1;</a:t>
+            </a:r>
+            <a:endParaRPr lang="ru-RU" dirty="0"/>
+          </a:p>
+          <a:p>
+            <a:r>
+              <a:rPr lang="en-US" dirty="0" smtClean="0"/>
               <a:t>/* </a:t>
             </a:r>
             <a:r>
@@ -10100,14 +10100,32 @@
             </a:r>
             <a:r>
               <a:rPr lang="en-US" dirty="0" smtClean="0"/>
-              <a:t>child */</a:t>
-            </a:r>
-            <a:endParaRPr lang="ru-RU" dirty="0" smtClean="0"/>
-          </a:p>
-          <a:p>
+              <a:t>child </a:t>
+            </a:r>
             <a:r>
               <a:rPr lang="en-US" dirty="0" smtClean="0"/>
-              <a:t>} else if (k&gt;0) {</a:t>
+              <a:t>*/</a:t>
+            </a:r>
+          </a:p>
+          <a:p>
+            <a:r>
+              <a:rPr lang="en-US" dirty="0" smtClean="0"/>
+              <a:t>shift&gt;&gt;=1</a:t>
+            </a:r>
+            <a:r>
+              <a:rPr lang="en-US" dirty="0"/>
+              <a:t>;</a:t>
+            </a:r>
+            <a:endParaRPr lang="ru-RU" dirty="0"/>
+          </a:p>
+          <a:p>
+            <a:r>
+              <a:rPr lang="en-US" dirty="0" smtClean="0"/>
+              <a:t>} </a:t>
+            </a:r>
+            <a:r>
+              <a:rPr lang="en-US" dirty="0" smtClean="0"/>
+              <a:t>else if (k&gt;0) {</a:t>
             </a:r>
           </a:p>
           <a:p>

--- a/Битоническая сортировка.pptx
+++ b/Битоническая сортировка.pptx
@@ -1,9 +1,12 @@
 
 <file path=ppt/presentation.xml><?xml version="1.0" encoding="utf-8"?>
-<p:presentation xmlns:a="http://schemas.openxmlformats.org/drawingml/2006/main" xmlns:r="http://schemas.openxmlformats.org/officeDocument/2006/relationships" xmlns:p="http://schemas.openxmlformats.org/presentationml/2006/main" saveSubsetFonts="1">
+<p:presentation xmlns:a="http://schemas.openxmlformats.org/drawingml/2006/main" xmlns:r="http://schemas.openxmlformats.org/officeDocument/2006/relationships" xmlns:p="http://schemas.openxmlformats.org/presentationml/2006/main" showSpecialPlsOnTitleSld="0" saveSubsetFonts="1">
   <p:sldMasterIdLst>
-    <p:sldMasterId id="2147483695" r:id="rId1"/>
+    <p:sldMasterId id="2147483789" r:id="rId1"/>
   </p:sldMasterIdLst>
+  <p:notesMasterIdLst>
+    <p:notesMasterId r:id="rId27"/>
+  </p:notesMasterIdLst>
   <p:sldIdLst>
     <p:sldId id="256" r:id="rId2"/>
     <p:sldId id="257" r:id="rId3"/>
@@ -29,6 +32,7 @@
     <p:sldId id="276" r:id="rId23"/>
     <p:sldId id="278" r:id="rId24"/>
     <p:sldId id="279" r:id="rId25"/>
+    <p:sldId id="280" r:id="rId26"/>
   </p:sldIdLst>
   <p:sldSz cx="12192000" cy="6858000"/>
   <p:notesSz cx="6858000" cy="9144000"/>
@@ -145,6 +149,440 @@
     </p:extLst>
   </p:cmAuthor>
 </p:cmAuthorLst>
+</file>
+
+<file path=ppt/notesMasters/notesMaster1.xml><?xml version="1.0" encoding="utf-8"?>
+<p:notesMaster xmlns:a="http://schemas.openxmlformats.org/drawingml/2006/main" xmlns:r="http://schemas.openxmlformats.org/officeDocument/2006/relationships" xmlns:p="http://schemas.openxmlformats.org/presentationml/2006/main">
+  <p:cSld>
+    <p:bg>
+      <p:bgRef idx="1001">
+        <a:schemeClr val="bg1"/>
+      </p:bgRef>
+    </p:bg>
+    <p:spTree>
+      <p:nvGrpSpPr>
+        <p:cNvPr id="1" name=""/>
+        <p:cNvGrpSpPr/>
+        <p:nvPr/>
+      </p:nvGrpSpPr>
+      <p:grpSpPr>
+        <a:xfrm>
+          <a:off x="0" y="0"/>
+          <a:ext cx="0" cy="0"/>
+          <a:chOff x="0" y="0"/>
+          <a:chExt cx="0" cy="0"/>
+        </a:xfrm>
+      </p:grpSpPr>
+      <p:sp>
+        <p:nvSpPr>
+          <p:cNvPr id="2" name="Верхний колонтитул 1"/>
+          <p:cNvSpPr>
+            <a:spLocks noGrp="1"/>
+          </p:cNvSpPr>
+          <p:nvPr>
+            <p:ph type="hdr" sz="quarter"/>
+          </p:nvPr>
+        </p:nvSpPr>
+        <p:spPr>
+          <a:xfrm>
+            <a:off x="0" y="0"/>
+            <a:ext cx="2971800" cy="458788"/>
+          </a:xfrm>
+          <a:prstGeom prst="rect">
+            <a:avLst/>
+          </a:prstGeom>
+        </p:spPr>
+        <p:txBody>
+          <a:bodyPr vert="horz" lIns="91440" tIns="45720" rIns="91440" bIns="45720" rtlCol="0"/>
+          <a:lstStyle>
+            <a:lvl1pPr algn="l">
+              <a:defRPr sz="1200"/>
+            </a:lvl1pPr>
+          </a:lstStyle>
+          <a:p>
+            <a:endParaRPr lang="ru-RU"/>
+          </a:p>
+        </p:txBody>
+      </p:sp>
+      <p:sp>
+        <p:nvSpPr>
+          <p:cNvPr id="3" name="Дата 2"/>
+          <p:cNvSpPr>
+            <a:spLocks noGrp="1"/>
+          </p:cNvSpPr>
+          <p:nvPr>
+            <p:ph type="dt" idx="1"/>
+          </p:nvPr>
+        </p:nvSpPr>
+        <p:spPr>
+          <a:xfrm>
+            <a:off x="3884613" y="0"/>
+            <a:ext cx="2971800" cy="458788"/>
+          </a:xfrm>
+          <a:prstGeom prst="rect">
+            <a:avLst/>
+          </a:prstGeom>
+        </p:spPr>
+        <p:txBody>
+          <a:bodyPr vert="horz" lIns="91440" tIns="45720" rIns="91440" bIns="45720" rtlCol="0"/>
+          <a:lstStyle>
+            <a:lvl1pPr algn="r">
+              <a:defRPr sz="1200"/>
+            </a:lvl1pPr>
+          </a:lstStyle>
+          <a:p>
+            <a:fld id="{71418577-099C-4986-AA11-92FED0F9351B}" type="datetimeFigureOut">
+              <a:rPr lang="ru-RU" smtClean="0"/>
+              <a:t>29.08.2015</a:t>
+            </a:fld>
+            <a:endParaRPr lang="ru-RU"/>
+          </a:p>
+        </p:txBody>
+      </p:sp>
+      <p:sp>
+        <p:nvSpPr>
+          <p:cNvPr id="4" name="Образ слайда 3"/>
+          <p:cNvSpPr>
+            <a:spLocks noGrp="1" noRot="1" noChangeAspect="1"/>
+          </p:cNvSpPr>
+          <p:nvPr>
+            <p:ph type="sldImg" idx="2"/>
+          </p:nvPr>
+        </p:nvSpPr>
+        <p:spPr>
+          <a:xfrm>
+            <a:off x="685800" y="1143000"/>
+            <a:ext cx="5486400" cy="3086100"/>
+          </a:xfrm>
+          <a:prstGeom prst="rect">
+            <a:avLst/>
+          </a:prstGeom>
+          <a:noFill/>
+          <a:ln w="12700">
+            <a:solidFill>
+              <a:prstClr val="black"/>
+            </a:solidFill>
+          </a:ln>
+        </p:spPr>
+        <p:txBody>
+          <a:bodyPr vert="horz" lIns="91440" tIns="45720" rIns="91440" bIns="45720" rtlCol="0" anchor="ctr"/>
+          <a:lstStyle/>
+          <a:p>
+            <a:endParaRPr lang="ru-RU"/>
+          </a:p>
+        </p:txBody>
+      </p:sp>
+      <p:sp>
+        <p:nvSpPr>
+          <p:cNvPr id="5" name="Заметки 4"/>
+          <p:cNvSpPr>
+            <a:spLocks noGrp="1"/>
+          </p:cNvSpPr>
+          <p:nvPr>
+            <p:ph type="body" sz="quarter" idx="3"/>
+          </p:nvPr>
+        </p:nvSpPr>
+        <p:spPr>
+          <a:xfrm>
+            <a:off x="685800" y="4400550"/>
+            <a:ext cx="5486400" cy="3600450"/>
+          </a:xfrm>
+          <a:prstGeom prst="rect">
+            <a:avLst/>
+          </a:prstGeom>
+        </p:spPr>
+        <p:txBody>
+          <a:bodyPr vert="horz" lIns="91440" tIns="45720" rIns="91440" bIns="45720" rtlCol="0"/>
+          <a:lstStyle/>
+          <a:p>
+            <a:pPr lvl="0"/>
+            <a:r>
+              <a:rPr lang="ru-RU" smtClean="0"/>
+              <a:t>Образец текста</a:t>
+            </a:r>
+          </a:p>
+          <a:p>
+            <a:pPr lvl="1"/>
+            <a:r>
+              <a:rPr lang="ru-RU" smtClean="0"/>
+              <a:t>Второй уровень</a:t>
+            </a:r>
+          </a:p>
+          <a:p>
+            <a:pPr lvl="2"/>
+            <a:r>
+              <a:rPr lang="ru-RU" smtClean="0"/>
+              <a:t>Третий уровень</a:t>
+            </a:r>
+          </a:p>
+          <a:p>
+            <a:pPr lvl="3"/>
+            <a:r>
+              <a:rPr lang="ru-RU" smtClean="0"/>
+              <a:t>Четвертый уровень</a:t>
+            </a:r>
+          </a:p>
+          <a:p>
+            <a:pPr lvl="4"/>
+            <a:r>
+              <a:rPr lang="ru-RU" smtClean="0"/>
+              <a:t>Пятый уровень</a:t>
+            </a:r>
+            <a:endParaRPr lang="ru-RU"/>
+          </a:p>
+        </p:txBody>
+      </p:sp>
+      <p:sp>
+        <p:nvSpPr>
+          <p:cNvPr id="6" name="Нижний колонтитул 5"/>
+          <p:cNvSpPr>
+            <a:spLocks noGrp="1"/>
+          </p:cNvSpPr>
+          <p:nvPr>
+            <p:ph type="ftr" sz="quarter" idx="4"/>
+          </p:nvPr>
+        </p:nvSpPr>
+        <p:spPr>
+          <a:xfrm>
+            <a:off x="0" y="8685213"/>
+            <a:ext cx="2971800" cy="458787"/>
+          </a:xfrm>
+          <a:prstGeom prst="rect">
+            <a:avLst/>
+          </a:prstGeom>
+        </p:spPr>
+        <p:txBody>
+          <a:bodyPr vert="horz" lIns="91440" tIns="45720" rIns="91440" bIns="45720" rtlCol="0" anchor="b"/>
+          <a:lstStyle>
+            <a:lvl1pPr algn="l">
+              <a:defRPr sz="1200"/>
+            </a:lvl1pPr>
+          </a:lstStyle>
+          <a:p>
+            <a:endParaRPr lang="ru-RU"/>
+          </a:p>
+        </p:txBody>
+      </p:sp>
+      <p:sp>
+        <p:nvSpPr>
+          <p:cNvPr id="7" name="Номер слайда 6"/>
+          <p:cNvSpPr>
+            <a:spLocks noGrp="1"/>
+          </p:cNvSpPr>
+          <p:nvPr>
+            <p:ph type="sldNum" sz="quarter" idx="5"/>
+          </p:nvPr>
+        </p:nvSpPr>
+        <p:spPr>
+          <a:xfrm>
+            <a:off x="3884613" y="8685213"/>
+            <a:ext cx="2971800" cy="458787"/>
+          </a:xfrm>
+          <a:prstGeom prst="rect">
+            <a:avLst/>
+          </a:prstGeom>
+        </p:spPr>
+        <p:txBody>
+          <a:bodyPr vert="horz" lIns="91440" tIns="45720" rIns="91440" bIns="45720" rtlCol="0" anchor="b"/>
+          <a:lstStyle>
+            <a:lvl1pPr algn="r">
+              <a:defRPr sz="1200"/>
+            </a:lvl1pPr>
+          </a:lstStyle>
+          <a:p>
+            <a:fld id="{EE627FFE-BC01-412F-8DDF-B9EA07E906CB}" type="slidenum">
+              <a:rPr lang="ru-RU" smtClean="0"/>
+              <a:t>‹#›</a:t>
+            </a:fld>
+            <a:endParaRPr lang="ru-RU"/>
+          </a:p>
+        </p:txBody>
+      </p:sp>
+    </p:spTree>
+    <p:extLst>
+      <p:ext uri="{BB962C8B-B14F-4D97-AF65-F5344CB8AC3E}">
+        <p14:creationId xmlns:p14="http://schemas.microsoft.com/office/powerpoint/2010/main" val="2509187131"/>
+      </p:ext>
+    </p:extLst>
+  </p:cSld>
+  <p:clrMap bg1="lt1" tx1="dk1" bg2="lt2" tx2="dk2" accent1="accent1" accent2="accent2" accent3="accent3" accent4="accent4" accent5="accent5" accent6="accent6" hlink="hlink" folHlink="folHlink"/>
+  <p:notesStyle>
+    <a:lvl1pPr marL="0" algn="l" defTabSz="914400" rtl="0" eaLnBrk="1" latinLnBrk="0" hangingPunct="1">
+      <a:defRPr sz="1200" kern="1200">
+        <a:solidFill>
+          <a:schemeClr val="tx1"/>
+        </a:solidFill>
+        <a:latin typeface="+mn-lt"/>
+        <a:ea typeface="+mn-ea"/>
+        <a:cs typeface="+mn-cs"/>
+      </a:defRPr>
+    </a:lvl1pPr>
+    <a:lvl2pPr marL="457200" algn="l" defTabSz="914400" rtl="0" eaLnBrk="1" latinLnBrk="0" hangingPunct="1">
+      <a:defRPr sz="1200" kern="1200">
+        <a:solidFill>
+          <a:schemeClr val="tx1"/>
+        </a:solidFill>
+        <a:latin typeface="+mn-lt"/>
+        <a:ea typeface="+mn-ea"/>
+        <a:cs typeface="+mn-cs"/>
+      </a:defRPr>
+    </a:lvl2pPr>
+    <a:lvl3pPr marL="914400" algn="l" defTabSz="914400" rtl="0" eaLnBrk="1" latinLnBrk="0" hangingPunct="1">
+      <a:defRPr sz="1200" kern="1200">
+        <a:solidFill>
+          <a:schemeClr val="tx1"/>
+        </a:solidFill>
+        <a:latin typeface="+mn-lt"/>
+        <a:ea typeface="+mn-ea"/>
+        <a:cs typeface="+mn-cs"/>
+      </a:defRPr>
+    </a:lvl3pPr>
+    <a:lvl4pPr marL="1371600" algn="l" defTabSz="914400" rtl="0" eaLnBrk="1" latinLnBrk="0" hangingPunct="1">
+      <a:defRPr sz="1200" kern="1200">
+        <a:solidFill>
+          <a:schemeClr val="tx1"/>
+        </a:solidFill>
+        <a:latin typeface="+mn-lt"/>
+        <a:ea typeface="+mn-ea"/>
+        <a:cs typeface="+mn-cs"/>
+      </a:defRPr>
+    </a:lvl4pPr>
+    <a:lvl5pPr marL="1828800" algn="l" defTabSz="914400" rtl="0" eaLnBrk="1" latinLnBrk="0" hangingPunct="1">
+      <a:defRPr sz="1200" kern="1200">
+        <a:solidFill>
+          <a:schemeClr val="tx1"/>
+        </a:solidFill>
+        <a:latin typeface="+mn-lt"/>
+        <a:ea typeface="+mn-ea"/>
+        <a:cs typeface="+mn-cs"/>
+      </a:defRPr>
+    </a:lvl5pPr>
+    <a:lvl6pPr marL="2286000" algn="l" defTabSz="914400" rtl="0" eaLnBrk="1" latinLnBrk="0" hangingPunct="1">
+      <a:defRPr sz="1200" kern="1200">
+        <a:solidFill>
+          <a:schemeClr val="tx1"/>
+        </a:solidFill>
+        <a:latin typeface="+mn-lt"/>
+        <a:ea typeface="+mn-ea"/>
+        <a:cs typeface="+mn-cs"/>
+      </a:defRPr>
+    </a:lvl6pPr>
+    <a:lvl7pPr marL="2743200" algn="l" defTabSz="914400" rtl="0" eaLnBrk="1" latinLnBrk="0" hangingPunct="1">
+      <a:defRPr sz="1200" kern="1200">
+        <a:solidFill>
+          <a:schemeClr val="tx1"/>
+        </a:solidFill>
+        <a:latin typeface="+mn-lt"/>
+        <a:ea typeface="+mn-ea"/>
+        <a:cs typeface="+mn-cs"/>
+      </a:defRPr>
+    </a:lvl7pPr>
+    <a:lvl8pPr marL="3200400" algn="l" defTabSz="914400" rtl="0" eaLnBrk="1" latinLnBrk="0" hangingPunct="1">
+      <a:defRPr sz="1200" kern="1200">
+        <a:solidFill>
+          <a:schemeClr val="tx1"/>
+        </a:solidFill>
+        <a:latin typeface="+mn-lt"/>
+        <a:ea typeface="+mn-ea"/>
+        <a:cs typeface="+mn-cs"/>
+      </a:defRPr>
+    </a:lvl8pPr>
+    <a:lvl9pPr marL="3657600" algn="l" defTabSz="914400" rtl="0" eaLnBrk="1" latinLnBrk="0" hangingPunct="1">
+      <a:defRPr sz="1200" kern="1200">
+        <a:solidFill>
+          <a:schemeClr val="tx1"/>
+        </a:solidFill>
+        <a:latin typeface="+mn-lt"/>
+        <a:ea typeface="+mn-ea"/>
+        <a:cs typeface="+mn-cs"/>
+      </a:defRPr>
+    </a:lvl9pPr>
+  </p:notesStyle>
+</p:notesMaster>
+</file>
+
+<file path=ppt/notesSlides/notesSlide1.xml><?xml version="1.0" encoding="utf-8"?>
+<p:notes xmlns:a="http://schemas.openxmlformats.org/drawingml/2006/main" xmlns:r="http://schemas.openxmlformats.org/officeDocument/2006/relationships" xmlns:p="http://schemas.openxmlformats.org/presentationml/2006/main">
+  <p:cSld>
+    <p:spTree>
+      <p:nvGrpSpPr>
+        <p:cNvPr id="1" name=""/>
+        <p:cNvGrpSpPr/>
+        <p:nvPr/>
+      </p:nvGrpSpPr>
+      <p:grpSpPr>
+        <a:xfrm>
+          <a:off x="0" y="0"/>
+          <a:ext cx="0" cy="0"/>
+          <a:chOff x="0" y="0"/>
+          <a:chExt cx="0" cy="0"/>
+        </a:xfrm>
+      </p:grpSpPr>
+      <p:sp>
+        <p:nvSpPr>
+          <p:cNvPr id="2" name="Образ слайда 1"/>
+          <p:cNvSpPr>
+            <a:spLocks noGrp="1" noRot="1" noChangeAspect="1"/>
+          </p:cNvSpPr>
+          <p:nvPr>
+            <p:ph type="sldImg"/>
+          </p:nvPr>
+        </p:nvSpPr>
+        <p:spPr/>
+      </p:sp>
+      <p:sp>
+        <p:nvSpPr>
+          <p:cNvPr id="3" name="Заметки 2"/>
+          <p:cNvSpPr>
+            <a:spLocks noGrp="1"/>
+          </p:cNvSpPr>
+          <p:nvPr>
+            <p:ph type="body" idx="1"/>
+          </p:nvPr>
+        </p:nvSpPr>
+        <p:spPr/>
+        <p:txBody>
+          <a:bodyPr/>
+          <a:lstStyle/>
+          <a:p>
+            <a:endParaRPr lang="ru-RU"/>
+          </a:p>
+        </p:txBody>
+      </p:sp>
+      <p:sp>
+        <p:nvSpPr>
+          <p:cNvPr id="4" name="Номер слайда 3"/>
+          <p:cNvSpPr>
+            <a:spLocks noGrp="1"/>
+          </p:cNvSpPr>
+          <p:nvPr>
+            <p:ph type="sldNum" sz="quarter" idx="10"/>
+          </p:nvPr>
+        </p:nvSpPr>
+        <p:spPr/>
+        <p:txBody>
+          <a:bodyPr/>
+          <a:lstStyle/>
+          <a:p>
+            <a:fld id="{EE627FFE-BC01-412F-8DDF-B9EA07E906CB}" type="slidenum">
+              <a:rPr lang="ru-RU" smtClean="0"/>
+              <a:t>25</a:t>
+            </a:fld>
+            <a:endParaRPr lang="ru-RU"/>
+          </a:p>
+        </p:txBody>
+      </p:sp>
+    </p:spTree>
+    <p:extLst>
+      <p:ext uri="{BB962C8B-B14F-4D97-AF65-F5344CB8AC3E}">
+        <p14:creationId xmlns:p14="http://schemas.microsoft.com/office/powerpoint/2010/main" val="2242707265"/>
+      </p:ext>
+    </p:extLst>
+  </p:cSld>
+  <p:clrMapOvr>
+    <a:masterClrMapping/>
+  </p:clrMapOvr>
+</p:notes>
 </file>
 
 <file path=ppt/slideLayouts/slideLayout1.xml><?xml version="1.0" encoding="utf-8"?>
@@ -890,9 +1328,9 @@
           <a:bodyPr/>
           <a:lstStyle/>
           <a:p>
-            <a:fld id="{5F768BFB-0D85-4676-B4F9-E3BB1624314C}" type="datetimeFigureOut">
+            <a:fld id="{F1D71878-58F5-40DD-AC56-384A01AAAF62}" type="datetime1">
               <a:rPr lang="ru-RU" smtClean="0"/>
-              <a:t>27.05.2014</a:t>
+              <a:t>29.08.2015</a:t>
             </a:fld>
             <a:endParaRPr lang="ru-RU"/>
           </a:p>
@@ -913,6 +1351,10 @@
           <a:bodyPr/>
           <a:lstStyle/>
           <a:p>
+            <a:r>
+              <a:rPr lang="en-US" smtClean="0"/>
+              <a:t>dmitry@protopopov.ru</a:t>
+            </a:r>
             <a:endParaRPr lang="ru-RU"/>
           </a:p>
         </p:txBody>
@@ -943,7 +1385,7 @@
     </p:spTree>
     <p:extLst>
       <p:ext uri="{BB962C8B-B14F-4D97-AF65-F5344CB8AC3E}">
-        <p14:creationId xmlns:p14="http://schemas.microsoft.com/office/powerpoint/2010/main" val="3650151975"/>
+        <p14:creationId xmlns:p14="http://schemas.microsoft.com/office/powerpoint/2010/main" val="1301285558"/>
       </p:ext>
     </p:extLst>
   </p:cSld>
@@ -1141,9 +1583,9 @@
           <a:bodyPr/>
           <a:lstStyle/>
           <a:p>
-            <a:fld id="{5F768BFB-0D85-4676-B4F9-E3BB1624314C}" type="datetimeFigureOut">
+            <a:fld id="{D42259AD-657E-4266-A369-B0847259C462}" type="datetime1">
               <a:rPr lang="ru-RU" smtClean="0"/>
-              <a:t>27.05.2014</a:t>
+              <a:t>29.08.2015</a:t>
             </a:fld>
             <a:endParaRPr lang="ru-RU"/>
           </a:p>
@@ -1164,6 +1606,10 @@
           <a:bodyPr/>
           <a:lstStyle/>
           <a:p>
+            <a:r>
+              <a:rPr lang="en-US" smtClean="0"/>
+              <a:t>dmitry@protopopov.ru</a:t>
+            </a:r>
             <a:endParaRPr lang="ru-RU"/>
           </a:p>
         </p:txBody>
@@ -1194,13 +1640,14 @@
     </p:spTree>
     <p:extLst>
       <p:ext uri="{BB962C8B-B14F-4D97-AF65-F5344CB8AC3E}">
-        <p14:creationId xmlns:p14="http://schemas.microsoft.com/office/powerpoint/2010/main" val="3126719044"/>
+        <p14:creationId xmlns:p14="http://schemas.microsoft.com/office/powerpoint/2010/main" val="2029031348"/>
       </p:ext>
     </p:extLst>
   </p:cSld>
   <p:clrMapOvr>
     <a:masterClrMapping/>
   </p:clrMapOvr>
+  <p:hf sldNum="0" hdr="0" dt="0"/>
 </p:sldLayout>
 </file>
 
@@ -1455,9 +1902,9 @@
           <a:bodyPr/>
           <a:lstStyle/>
           <a:p>
-            <a:fld id="{5F768BFB-0D85-4676-B4F9-E3BB1624314C}" type="datetimeFigureOut">
+            <a:fld id="{D42259AD-657E-4266-A369-B0847259C462}" type="datetime1">
               <a:rPr lang="ru-RU" smtClean="0"/>
-              <a:t>27.05.2014</a:t>
+              <a:t>29.08.2015</a:t>
             </a:fld>
             <a:endParaRPr lang="ru-RU"/>
           </a:p>
@@ -1478,6 +1925,10 @@
           <a:bodyPr/>
           <a:lstStyle/>
           <a:p>
+            <a:r>
+              <a:rPr lang="en-US" smtClean="0"/>
+              <a:t>dmitry@protopopov.ru</a:t>
+            </a:r>
             <a:endParaRPr lang="ru-RU"/>
           </a:p>
         </p:txBody>
@@ -1590,13 +2041,14 @@
     </p:spTree>
     <p:extLst>
       <p:ext uri="{BB962C8B-B14F-4D97-AF65-F5344CB8AC3E}">
-        <p14:creationId xmlns:p14="http://schemas.microsoft.com/office/powerpoint/2010/main" val="1839312169"/>
+        <p14:creationId xmlns:p14="http://schemas.microsoft.com/office/powerpoint/2010/main" val="2294529823"/>
       </p:ext>
     </p:extLst>
   </p:cSld>
   <p:clrMapOvr>
     <a:masterClrMapping/>
   </p:clrMapOvr>
+  <p:hf sldNum="0" hdr="0" dt="0"/>
 </p:sldLayout>
 </file>
 
@@ -1788,9 +2240,9 @@
           <a:bodyPr/>
           <a:lstStyle/>
           <a:p>
-            <a:fld id="{5F768BFB-0D85-4676-B4F9-E3BB1624314C}" type="datetimeFigureOut">
+            <a:fld id="{D42259AD-657E-4266-A369-B0847259C462}" type="datetime1">
               <a:rPr lang="ru-RU" smtClean="0"/>
-              <a:t>27.05.2014</a:t>
+              <a:t>29.08.2015</a:t>
             </a:fld>
             <a:endParaRPr lang="ru-RU"/>
           </a:p>
@@ -1811,6 +2263,10 @@
           <a:bodyPr/>
           <a:lstStyle/>
           <a:p>
+            <a:r>
+              <a:rPr lang="en-US" smtClean="0"/>
+              <a:t>dmitry@protopopov.ru</a:t>
+            </a:r>
             <a:endParaRPr lang="ru-RU"/>
           </a:p>
         </p:txBody>
@@ -1841,13 +2297,14 @@
     </p:spTree>
     <p:extLst>
       <p:ext uri="{BB962C8B-B14F-4D97-AF65-F5344CB8AC3E}">
-        <p14:creationId xmlns:p14="http://schemas.microsoft.com/office/powerpoint/2010/main" val="2852617823"/>
+        <p14:creationId xmlns:p14="http://schemas.microsoft.com/office/powerpoint/2010/main" val="2917647409"/>
       </p:ext>
     </p:extLst>
   </p:cSld>
   <p:clrMapOvr>
     <a:masterClrMapping/>
   </p:clrMapOvr>
+  <p:hf sldNum="0" hdr="0" dt="0"/>
 </p:sldLayout>
 </file>
 
@@ -2102,9 +2559,9 @@
           <a:bodyPr/>
           <a:lstStyle/>
           <a:p>
-            <a:fld id="{5F768BFB-0D85-4676-B4F9-E3BB1624314C}" type="datetimeFigureOut">
+            <a:fld id="{D42259AD-657E-4266-A369-B0847259C462}" type="datetime1">
               <a:rPr lang="ru-RU" smtClean="0"/>
-              <a:t>27.05.2014</a:t>
+              <a:t>29.08.2015</a:t>
             </a:fld>
             <a:endParaRPr lang="ru-RU"/>
           </a:p>
@@ -2125,6 +2582,10 @@
           <a:bodyPr/>
           <a:lstStyle/>
           <a:p>
+            <a:r>
+              <a:rPr lang="en-US" smtClean="0"/>
+              <a:t>dmitry@protopopov.ru</a:t>
+            </a:r>
             <a:endParaRPr lang="ru-RU"/>
           </a:p>
         </p:txBody>
@@ -2237,13 +2698,14 @@
     </p:spTree>
     <p:extLst>
       <p:ext uri="{BB962C8B-B14F-4D97-AF65-F5344CB8AC3E}">
-        <p14:creationId xmlns:p14="http://schemas.microsoft.com/office/powerpoint/2010/main" val="1116154835"/>
+        <p14:creationId xmlns:p14="http://schemas.microsoft.com/office/powerpoint/2010/main" val="2588361348"/>
       </p:ext>
     </p:extLst>
   </p:cSld>
   <p:clrMapOvr>
     <a:masterClrMapping/>
   </p:clrMapOvr>
+  <p:hf sldNum="0" hdr="0" dt="0"/>
 </p:sldLayout>
 </file>
 
@@ -2495,9 +2957,9 @@
           <a:bodyPr/>
           <a:lstStyle/>
           <a:p>
-            <a:fld id="{5F768BFB-0D85-4676-B4F9-E3BB1624314C}" type="datetimeFigureOut">
+            <a:fld id="{D42259AD-657E-4266-A369-B0847259C462}" type="datetime1">
               <a:rPr lang="ru-RU" smtClean="0"/>
-              <a:t>27.05.2014</a:t>
+              <a:t>29.08.2015</a:t>
             </a:fld>
             <a:endParaRPr lang="ru-RU"/>
           </a:p>
@@ -2518,6 +2980,10 @@
           <a:bodyPr/>
           <a:lstStyle/>
           <a:p>
+            <a:r>
+              <a:rPr lang="en-US" smtClean="0"/>
+              <a:t>dmitry@protopopov.ru</a:t>
+            </a:r>
             <a:endParaRPr lang="ru-RU"/>
           </a:p>
         </p:txBody>
@@ -2548,13 +3014,14 @@
     </p:spTree>
     <p:extLst>
       <p:ext uri="{BB962C8B-B14F-4D97-AF65-F5344CB8AC3E}">
-        <p14:creationId xmlns:p14="http://schemas.microsoft.com/office/powerpoint/2010/main" val="3826482126"/>
+        <p14:creationId xmlns:p14="http://schemas.microsoft.com/office/powerpoint/2010/main" val="1448694224"/>
       </p:ext>
     </p:extLst>
   </p:cSld>
   <p:clrMapOvr>
     <a:masterClrMapping/>
   </p:clrMapOvr>
+  <p:hf sldNum="0" hdr="0" dt="0"/>
 </p:sldLayout>
 </file>
 
@@ -2665,9 +3132,9 @@
           <a:bodyPr/>
           <a:lstStyle/>
           <a:p>
-            <a:fld id="{5F768BFB-0D85-4676-B4F9-E3BB1624314C}" type="datetimeFigureOut">
+            <a:fld id="{3578403A-5DD3-4099-BAFD-21B08B8BBE10}" type="datetime1">
               <a:rPr lang="ru-RU" smtClean="0"/>
-              <a:t>27.05.2014</a:t>
+              <a:t>29.08.2015</a:t>
             </a:fld>
             <a:endParaRPr lang="ru-RU"/>
           </a:p>
@@ -2688,6 +3155,10 @@
           <a:bodyPr/>
           <a:lstStyle/>
           <a:p>
+            <a:r>
+              <a:rPr lang="en-US" smtClean="0"/>
+              <a:t>dmitry@protopopov.ru</a:t>
+            </a:r>
             <a:endParaRPr lang="ru-RU"/>
           </a:p>
         </p:txBody>
@@ -2718,7 +3189,7 @@
     </p:spTree>
     <p:extLst>
       <p:ext uri="{BB962C8B-B14F-4D97-AF65-F5344CB8AC3E}">
-        <p14:creationId xmlns:p14="http://schemas.microsoft.com/office/powerpoint/2010/main" val="355837824"/>
+        <p14:creationId xmlns:p14="http://schemas.microsoft.com/office/powerpoint/2010/main" val="3182480953"/>
       </p:ext>
     </p:extLst>
   </p:cSld>
@@ -2845,9 +3316,9 @@
           <a:bodyPr/>
           <a:lstStyle/>
           <a:p>
-            <a:fld id="{5F768BFB-0D85-4676-B4F9-E3BB1624314C}" type="datetimeFigureOut">
+            <a:fld id="{A4896931-3962-45E4-953E-62876CAC27C6}" type="datetime1">
               <a:rPr lang="ru-RU" smtClean="0"/>
-              <a:t>27.05.2014</a:t>
+              <a:t>29.08.2015</a:t>
             </a:fld>
             <a:endParaRPr lang="ru-RU"/>
           </a:p>
@@ -2868,6 +3339,10 @@
           <a:bodyPr/>
           <a:lstStyle/>
           <a:p>
+            <a:r>
+              <a:rPr lang="en-US" smtClean="0"/>
+              <a:t>dmitry@protopopov.ru</a:t>
+            </a:r>
             <a:endParaRPr lang="ru-RU"/>
           </a:p>
         </p:txBody>
@@ -2898,7 +3373,7 @@
     </p:spTree>
     <p:extLst>
       <p:ext uri="{BB962C8B-B14F-4D97-AF65-F5344CB8AC3E}">
-        <p14:creationId xmlns:p14="http://schemas.microsoft.com/office/powerpoint/2010/main" val="3286532053"/>
+        <p14:creationId xmlns:p14="http://schemas.microsoft.com/office/powerpoint/2010/main" val="2502730996"/>
       </p:ext>
     </p:extLst>
   </p:cSld>
@@ -3015,9 +3490,9 @@
           <a:bodyPr/>
           <a:lstStyle/>
           <a:p>
-            <a:fld id="{5F768BFB-0D85-4676-B4F9-E3BB1624314C}" type="datetimeFigureOut">
+            <a:fld id="{16EAE6CC-37E1-4FD2-B982-341D60B41CCB}" type="datetime1">
               <a:rPr lang="ru-RU" smtClean="0"/>
-              <a:t>27.05.2014</a:t>
+              <a:t>29.08.2015</a:t>
             </a:fld>
             <a:endParaRPr lang="ru-RU"/>
           </a:p>
@@ -3038,6 +3513,10 @@
           <a:bodyPr/>
           <a:lstStyle/>
           <a:p>
+            <a:r>
+              <a:rPr lang="en-US" smtClean="0"/>
+              <a:t>dmitry@protopopov.ru</a:t>
+            </a:r>
             <a:endParaRPr lang="ru-RU"/>
           </a:p>
         </p:txBody>
@@ -3068,7 +3547,7 @@
     </p:spTree>
     <p:extLst>
       <p:ext uri="{BB962C8B-B14F-4D97-AF65-F5344CB8AC3E}">
-        <p14:creationId xmlns:p14="http://schemas.microsoft.com/office/powerpoint/2010/main" val="3379164275"/>
+        <p14:creationId xmlns:p14="http://schemas.microsoft.com/office/powerpoint/2010/main" val="2284713046"/>
       </p:ext>
     </p:extLst>
   </p:cSld>
@@ -3262,9 +3741,9 @@
           <a:bodyPr/>
           <a:lstStyle/>
           <a:p>
-            <a:fld id="{5F768BFB-0D85-4676-B4F9-E3BB1624314C}" type="datetimeFigureOut">
+            <a:fld id="{B47A6ED0-88AB-4236-B666-A41A19DF67D4}" type="datetime1">
               <a:rPr lang="ru-RU" smtClean="0"/>
-              <a:t>27.05.2014</a:t>
+              <a:t>29.08.2015</a:t>
             </a:fld>
             <a:endParaRPr lang="ru-RU"/>
           </a:p>
@@ -3285,6 +3764,10 @@
           <a:bodyPr/>
           <a:lstStyle/>
           <a:p>
+            <a:r>
+              <a:rPr lang="en-US" smtClean="0"/>
+              <a:t>dmitry@protopopov.ru</a:t>
+            </a:r>
             <a:endParaRPr lang="ru-RU"/>
           </a:p>
         </p:txBody>
@@ -3315,7 +3798,7 @@
     </p:spTree>
     <p:extLst>
       <p:ext uri="{BB962C8B-B14F-4D97-AF65-F5344CB8AC3E}">
-        <p14:creationId xmlns:p14="http://schemas.microsoft.com/office/powerpoint/2010/main" val="3786964250"/>
+        <p14:creationId xmlns:p14="http://schemas.microsoft.com/office/powerpoint/2010/main" val="1966213847"/>
       </p:ext>
     </p:extLst>
   </p:cSld>
@@ -3494,9 +3977,9 @@
           <a:bodyPr/>
           <a:lstStyle/>
           <a:p>
-            <a:fld id="{5F768BFB-0D85-4676-B4F9-E3BB1624314C}" type="datetimeFigureOut">
+            <a:fld id="{D9AB40B3-4E24-4EDD-B85C-28FEBFE050FA}" type="datetime1">
               <a:rPr lang="ru-RU" smtClean="0"/>
-              <a:t>27.05.2014</a:t>
+              <a:t>29.08.2015</a:t>
             </a:fld>
             <a:endParaRPr lang="ru-RU"/>
           </a:p>
@@ -3517,6 +4000,10 @@
           <a:bodyPr/>
           <a:lstStyle/>
           <a:p>
+            <a:r>
+              <a:rPr lang="en-US" smtClean="0"/>
+              <a:t>dmitry@protopopov.ru</a:t>
+            </a:r>
             <a:endParaRPr lang="ru-RU"/>
           </a:p>
         </p:txBody>
@@ -3547,7 +4034,7 @@
     </p:spTree>
     <p:extLst>
       <p:ext uri="{BB962C8B-B14F-4D97-AF65-F5344CB8AC3E}">
-        <p14:creationId xmlns:p14="http://schemas.microsoft.com/office/powerpoint/2010/main" val="2269388398"/>
+        <p14:creationId xmlns:p14="http://schemas.microsoft.com/office/powerpoint/2010/main" val="3455370102"/>
       </p:ext>
     </p:extLst>
   </p:cSld>
@@ -3868,9 +4355,9 @@
           <a:bodyPr/>
           <a:lstStyle/>
           <a:p>
-            <a:fld id="{5F768BFB-0D85-4676-B4F9-E3BB1624314C}" type="datetimeFigureOut">
+            <a:fld id="{A7BCF8A4-86D4-4FB5-BF43-928D10F7C46F}" type="datetime1">
               <a:rPr lang="ru-RU" smtClean="0"/>
-              <a:t>27.05.2014</a:t>
+              <a:t>29.08.2015</a:t>
             </a:fld>
             <a:endParaRPr lang="ru-RU"/>
           </a:p>
@@ -3891,6 +4378,10 @@
           <a:bodyPr/>
           <a:lstStyle/>
           <a:p>
+            <a:r>
+              <a:rPr lang="en-US" smtClean="0"/>
+              <a:t>dmitry@protopopov.ru</a:t>
+            </a:r>
             <a:endParaRPr lang="ru-RU"/>
           </a:p>
         </p:txBody>
@@ -3921,7 +4412,7 @@
     </p:spTree>
     <p:extLst>
       <p:ext uri="{BB962C8B-B14F-4D97-AF65-F5344CB8AC3E}">
-        <p14:creationId xmlns:p14="http://schemas.microsoft.com/office/powerpoint/2010/main" val="1646963577"/>
+        <p14:creationId xmlns:p14="http://schemas.microsoft.com/office/powerpoint/2010/main" val="2931667221"/>
       </p:ext>
     </p:extLst>
   </p:cSld>
@@ -3991,9 +4482,9 @@
           <a:bodyPr/>
           <a:lstStyle/>
           <a:p>
-            <a:fld id="{5F768BFB-0D85-4676-B4F9-E3BB1624314C}" type="datetimeFigureOut">
+            <a:fld id="{8E1DD895-563B-4213-A702-DE3BD486EA22}" type="datetime1">
               <a:rPr lang="ru-RU" smtClean="0"/>
-              <a:t>27.05.2014</a:t>
+              <a:t>29.08.2015</a:t>
             </a:fld>
             <a:endParaRPr lang="ru-RU"/>
           </a:p>
@@ -4014,6 +4505,10 @@
           <a:bodyPr/>
           <a:lstStyle/>
           <a:p>
+            <a:r>
+              <a:rPr lang="en-US" smtClean="0"/>
+              <a:t>dmitry@protopopov.ru</a:t>
+            </a:r>
             <a:endParaRPr lang="ru-RU"/>
           </a:p>
         </p:txBody>
@@ -4044,7 +4539,7 @@
     </p:spTree>
     <p:extLst>
       <p:ext uri="{BB962C8B-B14F-4D97-AF65-F5344CB8AC3E}">
-        <p14:creationId xmlns:p14="http://schemas.microsoft.com/office/powerpoint/2010/main" val="1990952646"/>
+        <p14:creationId xmlns:p14="http://schemas.microsoft.com/office/powerpoint/2010/main" val="1900911041"/>
       </p:ext>
     </p:extLst>
   </p:cSld>
@@ -4086,9 +4581,9 @@
           <a:bodyPr/>
           <a:lstStyle/>
           <a:p>
-            <a:fld id="{5F768BFB-0D85-4676-B4F9-E3BB1624314C}" type="datetimeFigureOut">
+            <a:fld id="{A6E5364C-50E0-4377-AC7E-A89CA9B3BE13}" type="datetime1">
               <a:rPr lang="ru-RU" smtClean="0"/>
-              <a:t>27.05.2014</a:t>
+              <a:t>29.08.2015</a:t>
             </a:fld>
             <a:endParaRPr lang="ru-RU"/>
           </a:p>
@@ -4109,6 +4604,10 @@
           <a:bodyPr/>
           <a:lstStyle/>
           <a:p>
+            <a:r>
+              <a:rPr lang="en-US" smtClean="0"/>
+              <a:t>dmitry@protopopov.ru</a:t>
+            </a:r>
             <a:endParaRPr lang="ru-RU"/>
           </a:p>
         </p:txBody>
@@ -4139,7 +4638,7 @@
     </p:spTree>
     <p:extLst>
       <p:ext uri="{BB962C8B-B14F-4D97-AF65-F5344CB8AC3E}">
-        <p14:creationId xmlns:p14="http://schemas.microsoft.com/office/powerpoint/2010/main" val="942679458"/>
+        <p14:creationId xmlns:p14="http://schemas.microsoft.com/office/powerpoint/2010/main" val="223507226"/>
       </p:ext>
     </p:extLst>
   </p:cSld>
@@ -4341,9 +4840,9 @@
           <a:bodyPr/>
           <a:lstStyle/>
           <a:p>
-            <a:fld id="{5F768BFB-0D85-4676-B4F9-E3BB1624314C}" type="datetimeFigureOut">
+            <a:fld id="{84AE4351-6590-47C0-882F-9A7112879DD2}" type="datetime1">
               <a:rPr lang="ru-RU" smtClean="0"/>
-              <a:t>27.05.2014</a:t>
+              <a:t>29.08.2015</a:t>
             </a:fld>
             <a:endParaRPr lang="ru-RU"/>
           </a:p>
@@ -4364,6 +4863,10 @@
           <a:bodyPr/>
           <a:lstStyle/>
           <a:p>
+            <a:r>
+              <a:rPr lang="en-US" smtClean="0"/>
+              <a:t>dmitry@protopopov.ru</a:t>
+            </a:r>
             <a:endParaRPr lang="ru-RU"/>
           </a:p>
         </p:txBody>
@@ -4394,7 +4897,7 @@
     </p:spTree>
     <p:extLst>
       <p:ext uri="{BB962C8B-B14F-4D97-AF65-F5344CB8AC3E}">
-        <p14:creationId xmlns:p14="http://schemas.microsoft.com/office/powerpoint/2010/main" val="4195240181"/>
+        <p14:creationId xmlns:p14="http://schemas.microsoft.com/office/powerpoint/2010/main" val="110665587"/>
       </p:ext>
     </p:extLst>
   </p:cSld>
@@ -4604,7 +5107,7 @@
           <a:bodyPr/>
           <a:lstStyle/>
           <a:p>
-            <a:endParaRPr lang="ru-RU"/>
+            <a:endParaRPr lang="en-US" dirty="0"/>
           </a:p>
         </p:txBody>
       </p:sp>
@@ -4646,9 +5149,9 @@
           <a:bodyPr/>
           <a:lstStyle/>
           <a:p>
-            <a:fld id="{5F768BFB-0D85-4676-B4F9-E3BB1624314C}" type="datetimeFigureOut">
+            <a:fld id="{6F0C6692-189A-4110-88E8-1DB2C482F98B}" type="datetime1">
               <a:rPr lang="ru-RU" smtClean="0"/>
-              <a:t>27.05.2014</a:t>
+              <a:t>29.08.2015</a:t>
             </a:fld>
             <a:endParaRPr lang="ru-RU"/>
           </a:p>
@@ -4657,7 +5160,7 @@
     </p:spTree>
     <p:extLst>
       <p:ext uri="{BB962C8B-B14F-4D97-AF65-F5344CB8AC3E}">
-        <p14:creationId xmlns:p14="http://schemas.microsoft.com/office/powerpoint/2010/main" val="2938619340"/>
+        <p14:creationId xmlns:p14="http://schemas.microsoft.com/office/powerpoint/2010/main" val="3268292212"/>
       </p:ext>
     </p:extLst>
   </p:cSld>
@@ -5348,9 +5851,9 @@
             </a:lvl1pPr>
           </a:lstStyle>
           <a:p>
-            <a:fld id="{5F768BFB-0D85-4676-B4F9-E3BB1624314C}" type="datetimeFigureOut">
+            <a:fld id="{D42259AD-657E-4266-A369-B0847259C462}" type="datetime1">
               <a:rPr lang="ru-RU" smtClean="0"/>
-              <a:t>27.05.2014</a:t>
+              <a:t>29.08.2015</a:t>
             </a:fld>
             <a:endParaRPr lang="ru-RU"/>
           </a:p>
@@ -5389,6 +5892,10 @@
             </a:lvl1pPr>
           </a:lstStyle>
           <a:p>
+            <a:r>
+              <a:rPr lang="en-US" smtClean="0"/>
+              <a:t>dmitry@protopopov.ru</a:t>
+            </a:r>
             <a:endParaRPr lang="ru-RU"/>
           </a:p>
         </p:txBody>
@@ -5435,29 +5942,30 @@
     </p:spTree>
     <p:extLst>
       <p:ext uri="{BB962C8B-B14F-4D97-AF65-F5344CB8AC3E}">
-        <p14:creationId xmlns:p14="http://schemas.microsoft.com/office/powerpoint/2010/main" val="3139101573"/>
+        <p14:creationId xmlns:p14="http://schemas.microsoft.com/office/powerpoint/2010/main" val="671300604"/>
       </p:ext>
     </p:extLst>
   </p:cSld>
   <p:clrMap bg1="lt1" tx1="dk1" bg2="lt2" tx2="dk2" accent1="accent1" accent2="accent2" accent3="accent3" accent4="accent4" accent5="accent5" accent6="accent6" hlink="hlink" folHlink="folHlink"/>
   <p:sldLayoutIdLst>
-    <p:sldLayoutId id="2147483696" r:id="rId1"/>
-    <p:sldLayoutId id="2147483697" r:id="rId2"/>
-    <p:sldLayoutId id="2147483698" r:id="rId3"/>
-    <p:sldLayoutId id="2147483699" r:id="rId4"/>
-    <p:sldLayoutId id="2147483700" r:id="rId5"/>
-    <p:sldLayoutId id="2147483701" r:id="rId6"/>
-    <p:sldLayoutId id="2147483702" r:id="rId7"/>
-    <p:sldLayoutId id="2147483703" r:id="rId8"/>
-    <p:sldLayoutId id="2147483704" r:id="rId9"/>
-    <p:sldLayoutId id="2147483705" r:id="rId10"/>
-    <p:sldLayoutId id="2147483706" r:id="rId11"/>
-    <p:sldLayoutId id="2147483707" r:id="rId12"/>
-    <p:sldLayoutId id="2147483708" r:id="rId13"/>
-    <p:sldLayoutId id="2147483709" r:id="rId14"/>
-    <p:sldLayoutId id="2147483710" r:id="rId15"/>
-    <p:sldLayoutId id="2147483711" r:id="rId16"/>
+    <p:sldLayoutId id="2147483790" r:id="rId1"/>
+    <p:sldLayoutId id="2147483791" r:id="rId2"/>
+    <p:sldLayoutId id="2147483792" r:id="rId3"/>
+    <p:sldLayoutId id="2147483793" r:id="rId4"/>
+    <p:sldLayoutId id="2147483794" r:id="rId5"/>
+    <p:sldLayoutId id="2147483795" r:id="rId6"/>
+    <p:sldLayoutId id="2147483796" r:id="rId7"/>
+    <p:sldLayoutId id="2147483797" r:id="rId8"/>
+    <p:sldLayoutId id="2147483798" r:id="rId9"/>
+    <p:sldLayoutId id="2147483799" r:id="rId10"/>
+    <p:sldLayoutId id="2147483800" r:id="rId11"/>
+    <p:sldLayoutId id="2147483801" r:id="rId12"/>
+    <p:sldLayoutId id="2147483802" r:id="rId13"/>
+    <p:sldLayoutId id="2147483803" r:id="rId14"/>
+    <p:sldLayoutId id="2147483804" r:id="rId15"/>
+    <p:sldLayoutId id="2147483805" r:id="rId16"/>
   </p:sldLayoutIdLst>
+  <p:hf sldNum="0" hdr="0" dt="0"/>
   <p:txStyles>
     <p:titleStyle>
       <a:lvl1pPr algn="l" defTabSz="457200" rtl="0" eaLnBrk="1" latinLnBrk="0" hangingPunct="1">
@@ -5890,12 +6398,8 @@
           <a:lstStyle/>
           <a:p>
             <a:r>
-              <a:rPr lang="ru-RU" dirty="0" err="1" smtClean="0"/>
-              <a:t>Битоническая</a:t>
-            </a:r>
-            <a:r>
-              <a:rPr lang="ru-RU" dirty="0" smtClean="0"/>
-              <a:t> сортировка</a:t>
+              <a:rPr lang="ru-RU" dirty="0" smtClean="0"/>
+              <a:t>Битоническая сортировка</a:t>
             </a:r>
             <a:endParaRPr lang="ru-RU" dirty="0"/>
           </a:p>
@@ -5976,12 +6480,7 @@
             <p:ph type="title"/>
           </p:nvPr>
         </p:nvSpPr>
-        <p:spPr>
-          <a:xfrm>
-            <a:off x="677334" y="609600"/>
-            <a:ext cx="8596668" cy="1320800"/>
-          </a:xfrm>
-        </p:spPr>
+        <p:spPr/>
         <p:txBody>
           <a:bodyPr/>
           <a:lstStyle/>
@@ -6004,12 +6503,7 @@
             <p:ph idx="1"/>
           </p:nvPr>
         </p:nvSpPr>
-        <p:spPr>
-          <a:xfrm>
-            <a:off x="677334" y="2160589"/>
-            <a:ext cx="8596668" cy="3880773"/>
-          </a:xfrm>
-        </p:spPr>
+        <p:spPr/>
         <p:txBody>
           <a:bodyPr/>
           <a:lstStyle/>
@@ -6044,6 +6538,29 @@
               <a:buNone/>
             </a:pPr>
             <a:endParaRPr lang="ru-RU" dirty="0" smtClean="0"/>
+          </a:p>
+        </p:txBody>
+      </p:sp>
+      <p:sp>
+        <p:nvSpPr>
+          <p:cNvPr id="2" name="Нижний колонтитул 1"/>
+          <p:cNvSpPr>
+            <a:spLocks noGrp="1"/>
+          </p:cNvSpPr>
+          <p:nvPr>
+            <p:ph type="ftr" sz="quarter" idx="11"/>
+          </p:nvPr>
+        </p:nvSpPr>
+        <p:spPr/>
+        <p:txBody>
+          <a:bodyPr/>
+          <a:lstStyle/>
+          <a:p>
+            <a:r>
+              <a:rPr lang="en-US" smtClean="0"/>
+              <a:t>dmitry@protopopov.ru</a:t>
+            </a:r>
+            <a:endParaRPr lang="ru-RU"/>
           </a:p>
         </p:txBody>
       </p:sp>
@@ -6325,7 +6842,9 @@
         </p:nvSpPr>
         <p:spPr/>
         <p:txBody>
-          <a:bodyPr/>
+          <a:bodyPr>
+            <a:normAutofit/>
+          </a:bodyPr>
           <a:lstStyle/>
           <a:p>
             <a:r>
@@ -6334,21 +6853,13 @@
             </a:r>
             <a:r>
               <a:rPr lang="ru-RU" dirty="0"/>
-              <a:t>на </a:t>
-            </a:r>
-            <a:r>
-              <a:rPr lang="ru-RU" dirty="0" err="1"/>
-              <a:t>подмассивы</a:t>
-            </a:r>
-            <a:r>
-              <a:rPr lang="ru-RU" dirty="0"/>
-              <a:t> размера степени двойки</a:t>
-            </a:r>
-          </a:p>
-        </p:txBody>
-      </p:sp>
-      <mc:AlternateContent xmlns:mc="http://schemas.openxmlformats.org/markup-compatibility/2006" xmlns:a14="http://schemas.microsoft.com/office/drawing/2010/main">
-        <mc:Choice Requires="a14">
+              <a:t>на подмассивы размера степени двойки</a:t>
+            </a:r>
+          </a:p>
+        </p:txBody>
+      </p:sp>
+      <mc:AlternateContent xmlns:mc="http://schemas.openxmlformats.org/markup-compatibility/2006">
+        <mc:Choice xmlns:a14="http://schemas.microsoft.com/office/drawing/2010/main" Requires="a14">
           <p:sp>
             <p:nvSpPr>
               <p:cNvPr id="3" name="Объект 2"/>
@@ -6361,7 +6872,9 @@
             </p:nvSpPr>
             <p:spPr/>
             <p:txBody>
-              <a:bodyPr/>
+              <a:bodyPr>
+                <a:normAutofit/>
+              </a:bodyPr>
               <a:lstStyle/>
               <a:p>
                 <a:pPr algn="just"/>
@@ -6371,15 +6884,7 @@
                 </a:r>
                 <a:r>
                   <a:rPr lang="ru-RU" dirty="0"/>
-                  <a:t>на </a:t>
-                </a:r>
-                <a:r>
-                  <a:rPr lang="ru-RU" dirty="0" err="1"/>
-                  <a:t>подмассивы</a:t>
-                </a:r>
-                <a:r>
-                  <a:rPr lang="ru-RU" dirty="0"/>
-                  <a:t> размера степени </a:t>
+                  <a:t>на подмассивы размера степени </a:t>
                 </a:r>
                 <a:r>
                   <a:rPr lang="ru-RU" dirty="0" smtClean="0"/>
@@ -6410,15 +6915,7 @@
                 </a:r>
                 <a:r>
                   <a:rPr lang="ru-RU" dirty="0"/>
-                  <a:t>разделение исходного массива на </a:t>
-                </a:r>
-                <a:r>
-                  <a:rPr lang="ru-RU" dirty="0" err="1"/>
-                  <a:t>подмассивы</a:t>
-                </a:r>
-                <a:r>
-                  <a:rPr lang="ru-RU" dirty="0"/>
-                  <a:t> размера степени двойки </a:t>
+                  <a:t>разделение исходного массива на подмассивы размера степени двойки </a:t>
                 </a:r>
                 <a:r>
                   <a:rPr lang="ru-RU" dirty="0" smtClean="0"/>
@@ -6654,7 +7151,7 @@
             </p:txBody>
           </p:sp>
         </mc:Choice>
-        <mc:Fallback xmlns="">
+        <mc:Fallback>
           <p:sp>
             <p:nvSpPr>
               <p:cNvPr id="3" name="Объект 2"/>
@@ -6688,6 +7185,29 @@
           </p:sp>
         </mc:Fallback>
       </mc:AlternateContent>
+      <p:sp>
+        <p:nvSpPr>
+          <p:cNvPr id="4" name="Нижний колонтитул 3"/>
+          <p:cNvSpPr>
+            <a:spLocks noGrp="1"/>
+          </p:cNvSpPr>
+          <p:nvPr>
+            <p:ph type="ftr" sz="quarter" idx="11"/>
+          </p:nvPr>
+        </p:nvSpPr>
+        <p:spPr/>
+        <p:txBody>
+          <a:bodyPr/>
+          <a:lstStyle/>
+          <a:p>
+            <a:r>
+              <a:rPr lang="en-US" smtClean="0"/>
+              <a:t>dmitry@protopopov.ru</a:t>
+            </a:r>
+            <a:endParaRPr lang="ru-RU"/>
+          </a:p>
+        </p:txBody>
+      </p:sp>
     </p:spTree>
     <p:extLst>
       <p:ext uri="{BB962C8B-B14F-4D97-AF65-F5344CB8AC3E}">
@@ -6759,33 +7279,32 @@
             <a:pPr algn="just"/>
             <a:r>
               <a:rPr lang="ru-RU" dirty="0" smtClean="0"/>
-              <a:t>Поскольку в данной реализации для получения </a:t>
-            </a:r>
-            <a:r>
-              <a:rPr lang="ru-RU" dirty="0" err="1" smtClean="0"/>
-              <a:t>битонической</a:t>
-            </a:r>
-            <a:r>
-              <a:rPr lang="ru-RU" dirty="0" smtClean="0"/>
-              <a:t> последовательности из исходного массива применяется сам алгоритм </a:t>
-            </a:r>
-            <a:r>
-              <a:rPr lang="ru-RU" dirty="0" err="1" smtClean="0"/>
-              <a:t>битонической</a:t>
-            </a:r>
-            <a:r>
-              <a:rPr lang="ru-RU" dirty="0" smtClean="0"/>
-              <a:t> сортировки, то шагом алгоритма является применение </a:t>
-            </a:r>
-            <a:r>
-              <a:rPr lang="ru-RU" dirty="0" err="1" smtClean="0"/>
-              <a:t>полуочистителя</a:t>
-            </a:r>
-            <a:r>
-              <a:rPr lang="ru-RU" dirty="0" smtClean="0"/>
-              <a:t> ко всему массиву.</a:t>
+              <a:t>Поскольку в данной реализации для получения битонической последовательности из исходного массива применяется сам алгоритм битонической сортировки, то шагом алгоритма является применение полуочистителя ко всему массиву.</a:t>
             </a:r>
             <a:endParaRPr lang="en-US" dirty="0" smtClean="0"/>
+          </a:p>
+        </p:txBody>
+      </p:sp>
+      <p:sp>
+        <p:nvSpPr>
+          <p:cNvPr id="5" name="Нижний колонтитул 4"/>
+          <p:cNvSpPr>
+            <a:spLocks noGrp="1"/>
+          </p:cNvSpPr>
+          <p:nvPr>
+            <p:ph type="ftr" sz="quarter" idx="11"/>
+          </p:nvPr>
+        </p:nvSpPr>
+        <p:spPr/>
+        <p:txBody>
+          <a:bodyPr/>
+          <a:lstStyle/>
+          <a:p>
+            <a:r>
+              <a:rPr lang="en-US" smtClean="0"/>
+              <a:t>dmitry@protopopov.ru</a:t>
+            </a:r>
+            <a:endParaRPr lang="ru-RU"/>
           </a:p>
         </p:txBody>
       </p:sp>
@@ -7110,13 +7629,8 @@
           <a:p>
             <a:r>
               <a:rPr lang="ru-RU" dirty="0"/>
-              <a:t>Применение </a:t>
-            </a:r>
-            <a:r>
-              <a:rPr lang="ru-RU" dirty="0" err="1"/>
-              <a:t>полуочистителя</a:t>
-            </a:r>
-            <a:endParaRPr lang="ru-RU" dirty="0"/>
+              <a:t>Применение полуочистителя</a:t>
+            </a:r>
           </a:p>
         </p:txBody>
       </p:sp>
@@ -7132,7 +7646,9 @@
         </p:nvSpPr>
         <p:spPr/>
         <p:txBody>
-          <a:bodyPr/>
+          <a:bodyPr>
+            <a:normAutofit/>
+          </a:bodyPr>
           <a:lstStyle/>
           <a:p>
             <a:pPr algn="just"/>
@@ -7202,15 +7718,7 @@
             </a:r>
             <a:r>
               <a:rPr lang="ru-RU" dirty="0" smtClean="0"/>
-              <a:t>, </a:t>
-            </a:r>
-            <a:r>
-              <a:rPr lang="ru-RU" dirty="0" err="1" smtClean="0"/>
-              <a:t>битонической</a:t>
-            </a:r>
-            <a:r>
-              <a:rPr lang="ru-RU" dirty="0" smtClean="0"/>
-              <a:t> последовательности, то принимаем правило, что левый </a:t>
+              <a:t>, битонической последовательности, то принимаем правило, что левый </a:t>
             </a:r>
             <a:r>
               <a:rPr lang="ru-RU" dirty="0" err="1" smtClean="0"/>
@@ -7225,23 +7733,7 @@
             <a:pPr algn="just"/>
             <a:r>
               <a:rPr lang="ru-RU" dirty="0" smtClean="0"/>
-              <a:t>Алгоритм мы начинаем с сортировки </a:t>
-            </a:r>
-            <a:r>
-              <a:rPr lang="ru-RU" dirty="0" err="1" smtClean="0"/>
-              <a:t>подмассивов</a:t>
-            </a:r>
-            <a:r>
-              <a:rPr lang="ru-RU" dirty="0" smtClean="0"/>
-              <a:t> размера 2 – применяя </a:t>
-            </a:r>
-            <a:r>
-              <a:rPr lang="ru-RU" dirty="0" err="1" smtClean="0"/>
-              <a:t>полуочиститель</a:t>
-            </a:r>
-            <a:r>
-              <a:rPr lang="ru-RU" dirty="0" smtClean="0"/>
-              <a:t> </a:t>
+              <a:t>Алгоритм мы начинаем с сортировки подмассивов размера 2 – применяя полуочиститель </a:t>
             </a:r>
             <a:r>
               <a:rPr lang="ru-RU" dirty="0"/>
@@ -7264,73 +7756,69 @@
               <a:t>Затем </a:t>
             </a:r>
             <a:r>
+              <a:rPr lang="ru-RU" dirty="0"/>
+              <a:t>подмассивов </a:t>
+            </a:r>
+            <a:r>
+              <a:rPr lang="ru-RU" dirty="0" smtClean="0"/>
+              <a:t>размера 4 – </a:t>
+            </a:r>
+            <a:r>
+              <a:rPr lang="ru-RU" dirty="0"/>
+              <a:t>применяя </a:t>
+            </a:r>
+            <a:r>
+              <a:rPr lang="ru-RU" dirty="0" err="1" smtClean="0"/>
+              <a:t>полуочистители</a:t>
+            </a:r>
+            <a:r>
+              <a:rPr lang="ru-RU" dirty="0" smtClean="0"/>
+              <a:t> B</a:t>
+            </a:r>
+            <a:r>
+              <a:rPr lang="ru-RU" baseline="-25000" dirty="0" smtClean="0"/>
+              <a:t>4</a:t>
+            </a:r>
+            <a:r>
+              <a:rPr lang="ru-RU" dirty="0" smtClean="0"/>
+              <a:t>,B</a:t>
+            </a:r>
+            <a:r>
+              <a:rPr lang="ru-RU" baseline="-25000" dirty="0" smtClean="0"/>
+              <a:t>2</a:t>
+            </a:r>
+            <a:r>
+              <a:rPr lang="ru-RU" dirty="0" smtClean="0"/>
+              <a:t> </a:t>
+            </a:r>
+          </a:p>
+          <a:p>
+            <a:pPr algn="just"/>
+            <a:r>
+              <a:rPr lang="ru-RU" dirty="0" smtClean="0"/>
+              <a:t>И так далее, до размера </a:t>
+            </a:r>
+            <a:r>
+              <a:rPr lang="en-US" dirty="0" smtClean="0"/>
+              <a:t>2</a:t>
+            </a:r>
+            <a:r>
+              <a:rPr lang="en-US" baseline="30000" dirty="0" smtClean="0"/>
+              <a:t>k</a:t>
+            </a:r>
+            <a:r>
+              <a:rPr lang="ru-RU" dirty="0"/>
+              <a:t> – применяя </a:t>
+            </a:r>
+            <a:r>
               <a:rPr lang="ru-RU" dirty="0" err="1"/>
-              <a:t>подмассивов</a:t>
+              <a:t>полуочистители</a:t>
             </a:r>
             <a:r>
               <a:rPr lang="ru-RU" dirty="0"/>
               <a:t> </a:t>
             </a:r>
             <a:r>
-              <a:rPr lang="ru-RU" dirty="0" smtClean="0"/>
-              <a:t>размера 4 – </a:t>
-            </a:r>
-            <a:r>
-              <a:rPr lang="ru-RU" dirty="0"/>
-              <a:t>применяя </a:t>
-            </a:r>
-            <a:r>
-              <a:rPr lang="ru-RU" dirty="0" err="1" smtClean="0"/>
-              <a:t>полуочистители</a:t>
-            </a:r>
-            <a:r>
-              <a:rPr lang="ru-RU" dirty="0" smtClean="0"/>
-              <a:t> B</a:t>
-            </a:r>
-            <a:r>
-              <a:rPr lang="ru-RU" baseline="-25000" dirty="0" smtClean="0"/>
-              <a:t>4</a:t>
-            </a:r>
-            <a:r>
-              <a:rPr lang="ru-RU" dirty="0" smtClean="0"/>
-              <a:t>,B</a:t>
-            </a:r>
-            <a:r>
-              <a:rPr lang="ru-RU" baseline="-25000" dirty="0" smtClean="0"/>
-              <a:t>2</a:t>
-            </a:r>
-            <a:r>
-              <a:rPr lang="ru-RU" dirty="0" smtClean="0"/>
-              <a:t> </a:t>
-            </a:r>
-          </a:p>
-          <a:p>
-            <a:pPr algn="just"/>
-            <a:r>
-              <a:rPr lang="ru-RU" dirty="0" smtClean="0"/>
-              <a:t>И так далее, до размера </a:t>
-            </a:r>
-            <a:r>
-              <a:rPr lang="en-US" dirty="0" smtClean="0"/>
-              <a:t>2</a:t>
-            </a:r>
-            <a:r>
-              <a:rPr lang="en-US" baseline="30000" dirty="0" smtClean="0"/>
-              <a:t>k</a:t>
-            </a:r>
-            <a:r>
-              <a:rPr lang="ru-RU" dirty="0"/>
-              <a:t> – применяя </a:t>
-            </a:r>
-            <a:r>
-              <a:rPr lang="ru-RU" dirty="0" err="1"/>
-              <a:t>полуочистители</a:t>
-            </a:r>
-            <a:r>
-              <a:rPr lang="ru-RU" dirty="0"/>
-              <a:t> </a:t>
-            </a:r>
-            <a:r>
               <a:rPr lang="ru-RU" dirty="0" err="1"/>
               <a:t>B</a:t>
             </a:r>
@@ -7371,6 +7859,29 @@
           <a:p>
             <a:pPr algn="just"/>
             <a:endParaRPr lang="ru-RU" dirty="0"/>
+          </a:p>
+        </p:txBody>
+      </p:sp>
+      <p:sp>
+        <p:nvSpPr>
+          <p:cNvPr id="4" name="Нижний колонтитул 3"/>
+          <p:cNvSpPr>
+            <a:spLocks noGrp="1"/>
+          </p:cNvSpPr>
+          <p:nvPr>
+            <p:ph type="ftr" sz="quarter" idx="11"/>
+          </p:nvPr>
+        </p:nvSpPr>
+        <p:spPr/>
+        <p:txBody>
+          <a:bodyPr/>
+          <a:lstStyle/>
+          <a:p>
+            <a:r>
+              <a:rPr lang="en-US" smtClean="0"/>
+              <a:t>dmitry@protopopov.ru</a:t>
+            </a:r>
+            <a:endParaRPr lang="ru-RU"/>
           </a:p>
         </p:txBody>
       </p:sp>
@@ -7421,13 +7932,8 @@
           <a:p>
             <a:r>
               <a:rPr lang="ru-RU" dirty="0"/>
-              <a:t>Применение </a:t>
-            </a:r>
-            <a:r>
-              <a:rPr lang="ru-RU" dirty="0" err="1"/>
-              <a:t>полуочистителя</a:t>
-            </a:r>
-            <a:endParaRPr lang="ru-RU" dirty="0"/>
+              <a:t>Применение полуочистителя</a:t>
+            </a:r>
           </a:p>
         </p:txBody>
       </p:sp>
@@ -7443,20 +7949,14 @@
         </p:nvSpPr>
         <p:spPr/>
         <p:txBody>
-          <a:bodyPr/>
+          <a:bodyPr>
+            <a:normAutofit/>
+          </a:bodyPr>
           <a:lstStyle/>
           <a:p>
             <a:r>
               <a:rPr lang="ru-RU" dirty="0"/>
-              <a:t>Очевидно, что перед применением </a:t>
-            </a:r>
-            <a:r>
-              <a:rPr lang="ru-RU" dirty="0" err="1"/>
-              <a:t>полуочистителя</a:t>
-            </a:r>
-            <a:r>
-              <a:rPr lang="ru-RU" dirty="0"/>
-              <a:t> мы должны знать в каком порядке мы хотим отсортировать данный </a:t>
+              <a:t>Очевидно, что перед применением полуочистителя мы должны знать в каком порядке мы хотим отсортировать данный </a:t>
             </a:r>
             <a:r>
               <a:rPr lang="ru-RU" dirty="0" err="1" smtClean="0"/>
@@ -7519,15 +8019,7 @@
             </a:r>
             <a:r>
               <a:rPr lang="ru-RU" dirty="0" smtClean="0"/>
-              <a:t>к элементам </a:t>
-            </a:r>
-            <a:r>
-              <a:rPr lang="ru-RU" dirty="0" err="1" smtClean="0"/>
-              <a:t>подмассивов</a:t>
-            </a:r>
-            <a:r>
-              <a:rPr lang="ru-RU" dirty="0" smtClean="0"/>
-              <a:t> размера </a:t>
+              <a:t>к элементам подмассивов размера </a:t>
             </a:r>
             <a:r>
               <a:rPr lang="en-US" dirty="0" smtClean="0"/>
@@ -7637,6 +8129,29 @@
               <a:buNone/>
             </a:pPr>
             <a:endParaRPr lang="ru-RU" sz="1400" b="1" dirty="0" smtClean="0"/>
+          </a:p>
+        </p:txBody>
+      </p:sp>
+      <p:sp>
+        <p:nvSpPr>
+          <p:cNvPr id="4" name="Нижний колонтитул 3"/>
+          <p:cNvSpPr>
+            <a:spLocks noGrp="1"/>
+          </p:cNvSpPr>
+          <p:nvPr>
+            <p:ph type="ftr" sz="quarter" idx="11"/>
+          </p:nvPr>
+        </p:nvSpPr>
+        <p:spPr/>
+        <p:txBody>
+          <a:bodyPr/>
+          <a:lstStyle/>
+          <a:p>
+            <a:r>
+              <a:rPr lang="en-US" smtClean="0"/>
+              <a:t>dmitry@protopopov.ru</a:t>
+            </a:r>
+            <a:endParaRPr lang="ru-RU"/>
           </a:p>
         </p:txBody>
       </p:sp>
@@ -7737,15 +8252,7 @@
           <a:p>
             <a:r>
               <a:rPr lang="ru-RU" dirty="0" smtClean="0"/>
-              <a:t>За один шаг применяется </a:t>
-            </a:r>
-            <a:r>
-              <a:rPr lang="ru-RU" dirty="0" err="1" smtClean="0"/>
-              <a:t>полуочиститель</a:t>
-            </a:r>
-            <a:r>
-              <a:rPr lang="ru-RU" dirty="0" smtClean="0"/>
-              <a:t> </a:t>
+              <a:t>За один шаг применяется полуочиститель </a:t>
             </a:r>
             <a:r>
               <a:rPr lang="en-US" dirty="0" smtClean="0"/>
@@ -7769,11 +8276,7 @@
             </a:r>
             <a:r>
               <a:rPr lang="ru-RU" dirty="0" smtClean="0"/>
-              <a:t> для всех </a:t>
-            </a:r>
-            <a:r>
-              <a:rPr lang="ru-RU" dirty="0" err="1" smtClean="0"/>
-              <a:t>подмассивов</a:t>
+              <a:t> для всех подмассивов</a:t>
             </a:r>
             <a:r>
               <a:rPr lang="en-US" dirty="0" smtClean="0"/>
@@ -7845,6 +8348,29 @@
           </a:p>
           <a:p>
             <a:endParaRPr lang="ru-RU" dirty="0"/>
+          </a:p>
+        </p:txBody>
+      </p:sp>
+      <p:sp>
+        <p:nvSpPr>
+          <p:cNvPr id="4" name="Нижний колонтитул 3"/>
+          <p:cNvSpPr>
+            <a:spLocks noGrp="1"/>
+          </p:cNvSpPr>
+          <p:nvPr>
+            <p:ph type="ftr" sz="quarter" idx="11"/>
+          </p:nvPr>
+        </p:nvSpPr>
+        <p:spPr/>
+        <p:txBody>
+          <a:bodyPr/>
+          <a:lstStyle/>
+          <a:p>
+            <a:r>
+              <a:rPr lang="en-US" smtClean="0"/>
+              <a:t>dmitry@protopopov.ru</a:t>
+            </a:r>
+            <a:endParaRPr lang="ru-RU"/>
           </a:p>
         </p:txBody>
       </p:sp>
@@ -7931,6 +8457,29 @@
       </p:sp>
       <p:sp>
         <p:nvSpPr>
+          <p:cNvPr id="5" name="Нижний колонтитул 4"/>
+          <p:cNvSpPr>
+            <a:spLocks noGrp="1"/>
+          </p:cNvSpPr>
+          <p:nvPr>
+            <p:ph type="ftr" sz="quarter" idx="11"/>
+          </p:nvPr>
+        </p:nvSpPr>
+        <p:spPr/>
+        <p:txBody>
+          <a:bodyPr/>
+          <a:lstStyle/>
+          <a:p>
+            <a:r>
+              <a:rPr lang="en-US" smtClean="0"/>
+              <a:t>dmitry@protopopov.ru</a:t>
+            </a:r>
+            <a:endParaRPr lang="ru-RU"/>
+          </a:p>
+        </p:txBody>
+      </p:sp>
+      <p:sp>
+        <p:nvSpPr>
           <p:cNvPr id="4" name="TextBox 3"/>
           <p:cNvSpPr txBox="1"/>
           <p:nvPr/>
@@ -8278,15 +8827,7 @@
             <a:pPr algn="just"/>
             <a:r>
               <a:rPr lang="ru-RU" dirty="0" smtClean="0"/>
-              <a:t>Алгоритм применения </a:t>
-            </a:r>
-            <a:r>
-              <a:rPr lang="ru-RU" dirty="0" err="1" smtClean="0"/>
-              <a:t>полуочистителя</a:t>
-            </a:r>
-            <a:r>
-              <a:rPr lang="ru-RU" dirty="0" smtClean="0"/>
-              <a:t> параллельными нитями</a:t>
+              <a:t>Алгоритм применения полуочистителя параллельными нитями</a:t>
             </a:r>
           </a:p>
           <a:p>
@@ -8294,6 +8835,29 @@
               <a:buNone/>
             </a:pPr>
             <a:endParaRPr lang="ru-RU" dirty="0"/>
+          </a:p>
+        </p:txBody>
+      </p:sp>
+      <p:sp>
+        <p:nvSpPr>
+          <p:cNvPr id="5" name="Нижний колонтитул 4"/>
+          <p:cNvSpPr>
+            <a:spLocks noGrp="1"/>
+          </p:cNvSpPr>
+          <p:nvPr>
+            <p:ph type="ftr" sz="quarter" idx="11"/>
+          </p:nvPr>
+        </p:nvSpPr>
+        <p:spPr/>
+        <p:txBody>
+          <a:bodyPr/>
+          <a:lstStyle/>
+          <a:p>
+            <a:r>
+              <a:rPr lang="en-US" smtClean="0"/>
+              <a:t>dmitry@protopopov.ru</a:t>
+            </a:r>
+            <a:endParaRPr lang="ru-RU"/>
           </a:p>
         </p:txBody>
       </p:sp>
@@ -8639,6 +9203,29 @@
       </p:sp>
       <p:sp>
         <p:nvSpPr>
+          <p:cNvPr id="5" name="Нижний колонтитул 4"/>
+          <p:cNvSpPr>
+            <a:spLocks noGrp="1"/>
+          </p:cNvSpPr>
+          <p:nvPr>
+            <p:ph type="ftr" sz="quarter" idx="11"/>
+          </p:nvPr>
+        </p:nvSpPr>
+        <p:spPr/>
+        <p:txBody>
+          <a:bodyPr/>
+          <a:lstStyle/>
+          <a:p>
+            <a:r>
+              <a:rPr lang="en-US" smtClean="0"/>
+              <a:t>dmitry@protopopov.ru</a:t>
+            </a:r>
+            <a:endParaRPr lang="ru-RU"/>
+          </a:p>
+        </p:txBody>
+      </p:sp>
+      <p:sp>
+        <p:nvSpPr>
           <p:cNvPr id="4" name="Прямоугольник 3"/>
           <p:cNvSpPr/>
           <p:nvPr/>
@@ -9009,7 +9596,7 @@
               <a:t>Каждый процесс имеет свой уникальный идентификатор, получаемый вызовом метода </a:t>
             </a:r>
             <a:r>
-              <a:rPr lang="en-US" dirty="0" err="1"/>
+              <a:rPr lang="en-US" dirty="0"/>
               <a:t>MPI_Comm_rank</a:t>
             </a:r>
             <a:endParaRPr lang="ru-RU" dirty="0" smtClean="0"/>
@@ -9025,7 +9612,7 @@
               <a:t>вызовом метода </a:t>
             </a:r>
             <a:r>
-              <a:rPr lang="en-US" dirty="0" err="1"/>
+              <a:rPr lang="en-US" dirty="0"/>
               <a:t>MPI_Comm_size</a:t>
             </a:r>
             <a:endParaRPr lang="ru-RU" dirty="0" smtClean="0"/>
@@ -9108,6 +9695,29 @@
               <a:t> процесс завершает свою работу.</a:t>
             </a:r>
             <a:endParaRPr lang="ru-RU" dirty="0"/>
+          </a:p>
+        </p:txBody>
+      </p:sp>
+      <p:sp>
+        <p:nvSpPr>
+          <p:cNvPr id="4" name="Нижний колонтитул 3"/>
+          <p:cNvSpPr>
+            <a:spLocks noGrp="1"/>
+          </p:cNvSpPr>
+          <p:nvPr>
+            <p:ph type="ftr" sz="quarter" idx="11"/>
+          </p:nvPr>
+        </p:nvSpPr>
+        <p:spPr/>
+        <p:txBody>
+          <a:bodyPr/>
+          <a:lstStyle/>
+          <a:p>
+            <a:r>
+              <a:rPr lang="en-US" smtClean="0"/>
+              <a:t>dmitry@protopopov.ru</a:t>
+            </a:r>
+            <a:endParaRPr lang="ru-RU"/>
           </a:p>
         </p:txBody>
       </p:sp>
@@ -9207,12 +9817,8 @@
               <a:t>(</a:t>
             </a:r>
             <a:r>
-              <a:rPr lang="ru-RU" dirty="0" err="1"/>
-              <a:t>полуочиститель</a:t>
-            </a:r>
-            <a:r>
               <a:rPr lang="ru-RU" dirty="0"/>
-              <a:t>, </a:t>
+              <a:t>полуочиститель, </a:t>
             </a:r>
             <a:r>
               <a:rPr lang="ru-RU" dirty="0" err="1"/>
@@ -9275,15 +9881,7 @@
             </a:r>
             <a:r>
               <a:rPr lang="ru-RU" dirty="0"/>
-              <a:t>основана на понятии </a:t>
-            </a:r>
-            <a:r>
-              <a:rPr lang="ru-RU" dirty="0" err="1"/>
-              <a:t>битонической</a:t>
-            </a:r>
-            <a:r>
-              <a:rPr lang="ru-RU" dirty="0"/>
-              <a:t> последовательности </a:t>
+              <a:t>основана на понятии битонической последовательности </a:t>
             </a:r>
             <a:r>
               <a:rPr lang="ru-RU" dirty="0" smtClean="0"/>
@@ -9309,15 +9907,7 @@
             </a:r>
             <a:r>
               <a:rPr lang="ru-RU" b="1" i="1" dirty="0"/>
-              <a:t>набор </a:t>
-            </a:r>
-            <a:r>
-              <a:rPr lang="ru-RU" b="1" i="1" dirty="0" err="1"/>
-              <a:t>полуочистителей</a:t>
-            </a:r>
-            <a:r>
-              <a:rPr lang="ru-RU" b="1" i="1" dirty="0"/>
-              <a:t> правильно сортирует произвольную последовательность нулей </a:t>
+              <a:t>набор полуочистителей правильно сортирует произвольную последовательность нулей </a:t>
             </a:r>
             <a:r>
               <a:rPr lang="ru-RU" b="1" i="1" dirty="0" smtClean="0"/>
@@ -9379,12 +9969,8 @@
               <a:t>называется </a:t>
             </a:r>
             <a:r>
-              <a:rPr lang="ru-RU" dirty="0" err="1"/>
-              <a:t>битонической</a:t>
-            </a:r>
-            <a:r>
               <a:rPr lang="ru-RU" dirty="0"/>
-              <a:t>, если она или состоит из двух </a:t>
+              <a:t>битонической, если она или состоит из двух </a:t>
             </a:r>
             <a:r>
               <a:rPr lang="ru-RU" dirty="0" smtClean="0"/>
@@ -9454,6 +10040,29 @@
               <a:t>.</a:t>
             </a:r>
             <a:endParaRPr lang="ru-RU" dirty="0"/>
+          </a:p>
+        </p:txBody>
+      </p:sp>
+      <p:sp>
+        <p:nvSpPr>
+          <p:cNvPr id="4" name="Нижний колонтитул 3"/>
+          <p:cNvSpPr>
+            <a:spLocks noGrp="1"/>
+          </p:cNvSpPr>
+          <p:nvPr>
+            <p:ph type="ftr" sz="quarter" idx="11"/>
+          </p:nvPr>
+        </p:nvSpPr>
+        <p:spPr/>
+        <p:txBody>
+          <a:bodyPr/>
+          <a:lstStyle/>
+          <a:p>
+            <a:r>
+              <a:rPr lang="en-US" smtClean="0"/>
+              <a:t>dmitry@protopopov.ru</a:t>
+            </a:r>
+            <a:endParaRPr lang="ru-RU"/>
           </a:p>
         </p:txBody>
       </p:sp>
@@ -9534,27 +10143,11 @@
             <a:pPr algn="just"/>
             <a:r>
               <a:rPr lang="ru-RU" dirty="0"/>
-              <a:t>Алгоритм мы начинаем с сортировки </a:t>
-            </a:r>
-            <a:r>
-              <a:rPr lang="ru-RU" dirty="0" err="1"/>
-              <a:t>подмассивов</a:t>
-            </a:r>
-            <a:r>
-              <a:rPr lang="ru-RU" dirty="0"/>
-              <a:t> размера 2 – </a:t>
-            </a:r>
-            <a:r>
-              <a:rPr lang="ru-RU" dirty="0" smtClean="0"/>
-              <a:t>применяя </a:t>
-            </a:r>
-            <a:r>
-              <a:rPr lang="ru-RU" dirty="0" err="1" smtClean="0"/>
-              <a:t>битоническое</a:t>
-            </a:r>
-            <a:r>
-              <a:rPr lang="ru-RU" dirty="0" smtClean="0"/>
-              <a:t> слияние M</a:t>
+              <a:t>Алгоритм мы начинаем с сортировки подмассивов размера 2 – </a:t>
+            </a:r>
+            <a:r>
+              <a:rPr lang="ru-RU" dirty="0" smtClean="0"/>
+              <a:t>применяя битоническое слияние M</a:t>
             </a:r>
             <a:r>
               <a:rPr lang="ru-RU" baseline="-25000" dirty="0" smtClean="0"/>
@@ -9566,23 +10159,7 @@
             <a:pPr algn="just"/>
             <a:r>
               <a:rPr lang="ru-RU" dirty="0"/>
-              <a:t>Затем </a:t>
-            </a:r>
-            <a:r>
-              <a:rPr lang="ru-RU" dirty="0" err="1"/>
-              <a:t>подмассивов</a:t>
-            </a:r>
-            <a:r>
-              <a:rPr lang="ru-RU" dirty="0"/>
-              <a:t> размера 4 – применяя </a:t>
-            </a:r>
-            <a:r>
-              <a:rPr lang="ru-RU" dirty="0" err="1"/>
-              <a:t>битоническое</a:t>
-            </a:r>
-            <a:r>
-              <a:rPr lang="ru-RU" dirty="0"/>
-              <a:t> слияние </a:t>
+              <a:t>Затем подмассивов размера 4 – применяя битоническое слияние </a:t>
             </a:r>
             <a:r>
               <a:rPr lang="ru-RU" dirty="0" smtClean="0"/>
@@ -9614,15 +10191,7 @@
             </a:r>
             <a:r>
               <a:rPr lang="ru-RU" dirty="0"/>
-              <a:t> – применяя </a:t>
-            </a:r>
-            <a:r>
-              <a:rPr lang="ru-RU" dirty="0" err="1"/>
-              <a:t>битоническое</a:t>
-            </a:r>
-            <a:r>
-              <a:rPr lang="ru-RU" dirty="0"/>
-              <a:t> слияние </a:t>
+              <a:t> – применяя битоническое слияние </a:t>
             </a:r>
             <a:r>
               <a:rPr lang="ru-RU" dirty="0" smtClean="0"/>
@@ -9638,15 +10207,7 @@
             <a:pPr algn="just"/>
             <a:r>
               <a:rPr lang="ru-RU" dirty="0" smtClean="0"/>
-              <a:t>Поскольку применение </a:t>
-            </a:r>
-            <a:r>
-              <a:rPr lang="ru-RU" dirty="0" err="1" smtClean="0"/>
-              <a:t>битонического</a:t>
-            </a:r>
-            <a:r>
-              <a:rPr lang="ru-RU" dirty="0" smtClean="0"/>
-              <a:t> слияния M</a:t>
+              <a:t>Поскольку применение битонического слияния M</a:t>
             </a:r>
             <a:r>
               <a:rPr lang="ru-RU" baseline="-25000" dirty="0" smtClean="0"/>
@@ -9662,15 +10223,7 @@
             </a:r>
             <a:r>
               <a:rPr lang="ru-RU" dirty="0" smtClean="0"/>
-              <a:t>является применением </a:t>
-            </a:r>
-            <a:r>
-              <a:rPr lang="ru-RU" dirty="0" err="1" smtClean="0"/>
-              <a:t>полуочистителя</a:t>
-            </a:r>
-            <a:r>
-              <a:rPr lang="ru-RU" dirty="0" smtClean="0"/>
-              <a:t> </a:t>
+              <a:t>является применением полуочистителя </a:t>
             </a:r>
             <a:r>
               <a:rPr lang="en-US" dirty="0" smtClean="0"/>
@@ -9709,12 +10262,8 @@
               <a:t>а затем </a:t>
             </a:r>
             <a:r>
-              <a:rPr lang="ru-RU" dirty="0" err="1"/>
-              <a:t>битонического</a:t>
-            </a:r>
-            <a:r>
               <a:rPr lang="ru-RU" dirty="0"/>
-              <a:t> слияния M</a:t>
+              <a:t>битонического слияния M</a:t>
             </a:r>
             <a:r>
               <a:rPr lang="ru-RU" baseline="-25000" dirty="0"/>
@@ -9737,12 +10286,8 @@
               <a:t>к левой и правой половинам массивам, то при применении </a:t>
             </a:r>
             <a:r>
-              <a:rPr lang="ru-RU" dirty="0" err="1"/>
-              <a:t>битонического</a:t>
-            </a:r>
-            <a:r>
               <a:rPr lang="ru-RU" dirty="0"/>
-              <a:t> слияния M</a:t>
+              <a:t>битонического слияния M</a:t>
             </a:r>
             <a:r>
               <a:rPr lang="ru-RU" baseline="-25000" dirty="0"/>
@@ -9762,15 +10307,7 @@
             </a:r>
             <a:r>
               <a:rPr lang="ru-RU" dirty="0"/>
-              <a:t> </a:t>
-            </a:r>
-            <a:r>
-              <a:rPr lang="ru-RU" dirty="0" err="1"/>
-              <a:t>полуочистителя</a:t>
-            </a:r>
-            <a:r>
-              <a:rPr lang="ru-RU" dirty="0"/>
-              <a:t> </a:t>
+              <a:t> полуочистителя </a:t>
             </a:r>
             <a:r>
               <a:rPr lang="en-US" dirty="0"/>
@@ -9802,15 +10339,7 @@
             </a:r>
             <a:r>
               <a:rPr lang="ru-RU" dirty="0" smtClean="0"/>
-              <a:t> текущий процесс может попытаться разделить работу с каким-нибудь другим процессом, поручив ему задание применить </a:t>
-            </a:r>
-            <a:r>
-              <a:rPr lang="ru-RU" dirty="0" err="1" smtClean="0"/>
-              <a:t>битоническое</a:t>
-            </a:r>
-            <a:r>
-              <a:rPr lang="ru-RU" dirty="0" smtClean="0"/>
-              <a:t> слияние </a:t>
+              <a:t> текущий процесс может попытаться разделить работу с каким-нибудь другим процессом, поручив ему задание применить битоническое слияние </a:t>
             </a:r>
             <a:r>
               <a:rPr lang="ru-RU" dirty="0"/>
@@ -9842,15 +10371,7 @@
             </a:r>
             <a:r>
               <a:rPr lang="ru-RU" dirty="0"/>
-              <a:t> </a:t>
-            </a:r>
-            <a:r>
-              <a:rPr lang="ru-RU" dirty="0" err="1"/>
-              <a:t>битоническое</a:t>
-            </a:r>
-            <a:r>
-              <a:rPr lang="ru-RU" dirty="0"/>
-              <a:t> слияние M</a:t>
+              <a:t> битоническое слияние M</a:t>
             </a:r>
             <a:r>
               <a:rPr lang="ru-RU" baseline="-25000" dirty="0"/>
@@ -9877,6 +10398,29 @@
               <a:t>левой половине массива, после чего соединить обратно отсортированные левую и правую части массива.</a:t>
             </a:r>
             <a:endParaRPr lang="ru-RU" dirty="0"/>
+          </a:p>
+        </p:txBody>
+      </p:sp>
+      <p:sp>
+        <p:nvSpPr>
+          <p:cNvPr id="4" name="Нижний колонтитул 3"/>
+          <p:cNvSpPr>
+            <a:spLocks noGrp="1"/>
+          </p:cNvSpPr>
+          <p:nvPr>
+            <p:ph type="ftr" sz="quarter" idx="11"/>
+          </p:nvPr>
+        </p:nvSpPr>
+        <p:spPr/>
+        <p:txBody>
+          <a:bodyPr/>
+          <a:lstStyle/>
+          <a:p>
+            <a:r>
+              <a:rPr lang="en-US" smtClean="0"/>
+              <a:t>dmitry@protopopov.ru</a:t>
+            </a:r>
+            <a:endParaRPr lang="ru-RU"/>
           </a:p>
         </p:txBody>
       </p:sp>
@@ -9959,15 +10503,7 @@
             </a:r>
             <a:r>
               <a:rPr lang="ru-RU" dirty="0"/>
-              <a:t>при применении </a:t>
-            </a:r>
-            <a:r>
-              <a:rPr lang="ru-RU" dirty="0" err="1"/>
-              <a:t>битонического</a:t>
-            </a:r>
-            <a:r>
-              <a:rPr lang="ru-RU" dirty="0"/>
-              <a:t> слияния M</a:t>
+              <a:t>при применении битонического слияния M</a:t>
             </a:r>
             <a:r>
               <a:rPr lang="ru-RU" baseline="-25000" dirty="0"/>
@@ -9999,6 +10535,29 @@
               <a:buNone/>
             </a:pPr>
             <a:endParaRPr lang="en-US" dirty="0" smtClean="0"/>
+          </a:p>
+        </p:txBody>
+      </p:sp>
+      <p:sp>
+        <p:nvSpPr>
+          <p:cNvPr id="5" name="Нижний колонтитул 4"/>
+          <p:cNvSpPr>
+            <a:spLocks noGrp="1"/>
+          </p:cNvSpPr>
+          <p:nvPr>
+            <p:ph type="ftr" sz="quarter" idx="11"/>
+          </p:nvPr>
+        </p:nvSpPr>
+        <p:spPr/>
+        <p:txBody>
+          <a:bodyPr/>
+          <a:lstStyle/>
+          <a:p>
+            <a:r>
+              <a:rPr lang="en-US" smtClean="0"/>
+              <a:t>dmitry@protopopov.ru</a:t>
+            </a:r>
+            <a:endParaRPr lang="ru-RU"/>
           </a:p>
         </p:txBody>
       </p:sp>
@@ -10054,7 +10613,6 @@
               <a:rPr lang="en-US" dirty="0" smtClean="0"/>
               <a:t>;</a:t>
             </a:r>
-            <a:endParaRPr lang="en-US" dirty="0" smtClean="0"/>
           </a:p>
           <a:p>
             <a:r>
@@ -10100,11 +10658,7 @@
             </a:r>
             <a:r>
               <a:rPr lang="en-US" dirty="0" smtClean="0"/>
-              <a:t>child </a:t>
-            </a:r>
-            <a:r>
-              <a:rPr lang="en-US" dirty="0" smtClean="0"/>
-              <a:t>*/</a:t>
+              <a:t>child */</a:t>
             </a:r>
           </a:p>
           <a:p>
@@ -10121,11 +10675,7 @@
           <a:p>
             <a:r>
               <a:rPr lang="en-US" dirty="0" smtClean="0"/>
-              <a:t>} </a:t>
-            </a:r>
-            <a:r>
-              <a:rPr lang="en-US" dirty="0" smtClean="0"/>
-              <a:t>else if (k&gt;0) {</a:t>
+              <a:t>} else if (k&gt;0) {</a:t>
             </a:r>
           </a:p>
           <a:p>
@@ -10227,6 +10777,29 @@
           </a:p>
         </p:txBody>
       </p:sp>
+      <p:sp>
+        <p:nvSpPr>
+          <p:cNvPr id="4" name="Нижний колонтитул 3"/>
+          <p:cNvSpPr>
+            <a:spLocks noGrp="1"/>
+          </p:cNvSpPr>
+          <p:nvPr>
+            <p:ph type="ftr" sz="quarter" idx="11"/>
+          </p:nvPr>
+        </p:nvSpPr>
+        <p:spPr/>
+        <p:txBody>
+          <a:bodyPr/>
+          <a:lstStyle/>
+          <a:p>
+            <a:r>
+              <a:rPr lang="en-US" smtClean="0"/>
+              <a:t>dmitry@protopopov.ru</a:t>
+            </a:r>
+            <a:endParaRPr lang="ru-RU"/>
+          </a:p>
+        </p:txBody>
+      </p:sp>
     </p:spTree>
     <p:extLst>
       <p:ext uri="{BB962C8B-B14F-4D97-AF65-F5344CB8AC3E}">
@@ -10269,20 +10842,14 @@
         </p:nvSpPr>
         <p:spPr/>
         <p:txBody>
-          <a:bodyPr/>
+          <a:bodyPr>
+            <a:normAutofit/>
+          </a:bodyPr>
           <a:lstStyle/>
           <a:p>
             <a:r>
               <a:rPr lang="ru-RU" dirty="0"/>
-              <a:t>Алгоритм </a:t>
-            </a:r>
-            <a:r>
-              <a:rPr lang="ru-RU" dirty="0" err="1"/>
-              <a:t>битонической</a:t>
-            </a:r>
-            <a:r>
-              <a:rPr lang="ru-RU" dirty="0"/>
-              <a:t> сортировки </a:t>
+              <a:t>Алгоритм битонической сортировки </a:t>
             </a:r>
             <a:r>
               <a:rPr lang="ru-RU" dirty="0" smtClean="0"/>
@@ -10312,7 +10879,9 @@
         </p:nvSpPr>
         <p:spPr/>
         <p:txBody>
-          <a:bodyPr/>
+          <a:bodyPr>
+            <a:normAutofit/>
+          </a:bodyPr>
           <a:lstStyle/>
           <a:p>
             <a:pPr algn="just">
@@ -10329,15 +10898,7 @@
             </a:r>
             <a:r>
               <a:rPr lang="ru-RU" dirty="0" smtClean="0"/>
-              <a:t>на </a:t>
-            </a:r>
-            <a:r>
-              <a:rPr lang="ru-RU" dirty="0" err="1" smtClean="0"/>
-              <a:t>подмассивы</a:t>
-            </a:r>
-            <a:r>
-              <a:rPr lang="ru-RU" dirty="0" smtClean="0"/>
-              <a:t> степеней двойки в соответствии с представлением </a:t>
+              <a:t>на подмассивы степеней двойки в соответствии с представлением </a:t>
             </a:r>
             <a:r>
               <a:rPr lang="en-US" dirty="0" smtClean="0"/>
@@ -10445,15 +11006,7 @@
             </a:r>
             <a:r>
               <a:rPr lang="ru-RU" dirty="0" smtClean="0"/>
-              <a:t>применения ко всем элементам массива </a:t>
-            </a:r>
-            <a:r>
-              <a:rPr lang="ru-RU" dirty="0" err="1" smtClean="0"/>
-              <a:t>полуочистителя</a:t>
-            </a:r>
-            <a:r>
-              <a:rPr lang="ru-RU" dirty="0" smtClean="0"/>
-              <a:t> </a:t>
+              <a:t>применения ко всем элементам массива полуочистителя </a:t>
             </a:r>
             <a:r>
               <a:rPr lang="en-US" dirty="0" smtClean="0"/>
@@ -10526,12 +11079,8 @@
               <a:t>отсортированных </a:t>
             </a:r>
             <a:r>
-              <a:rPr lang="ru-RU" dirty="0" err="1" smtClean="0"/>
-              <a:t>подмассивов</a:t>
-            </a:r>
-            <a:r>
-              <a:rPr lang="ru-RU" dirty="0" smtClean="0"/>
-              <a:t> </a:t>
+              <a:rPr lang="ru-RU" dirty="0" smtClean="0"/>
+              <a:t>подмассивов </a:t>
             </a:r>
             <a:r>
               <a:rPr lang="ru-RU" dirty="0"/>
@@ -10558,6 +11107,29 @@
               <a:t>k=0..31</a:t>
             </a:r>
             <a:endParaRPr lang="en-US" dirty="0"/>
+          </a:p>
+        </p:txBody>
+      </p:sp>
+      <p:sp>
+        <p:nvSpPr>
+          <p:cNvPr id="4" name="Нижний колонтитул 3"/>
+          <p:cNvSpPr>
+            <a:spLocks noGrp="1"/>
+          </p:cNvSpPr>
+          <p:nvPr>
+            <p:ph type="ftr" sz="quarter" idx="11"/>
+          </p:nvPr>
+        </p:nvSpPr>
+        <p:spPr/>
+        <p:txBody>
+          <a:bodyPr/>
+          <a:lstStyle/>
+          <a:p>
+            <a:r>
+              <a:rPr lang="en-US" smtClean="0"/>
+              <a:t>dmitry@protopopov.ru</a:t>
+            </a:r>
+            <a:endParaRPr lang="ru-RU"/>
           </a:p>
         </p:txBody>
       </p:sp>
@@ -10603,7 +11175,9 @@
         </p:nvSpPr>
         <p:spPr/>
         <p:txBody>
-          <a:bodyPr/>
+          <a:bodyPr>
+            <a:normAutofit/>
+          </a:bodyPr>
           <a:lstStyle/>
           <a:p>
             <a:r>
@@ -10611,12 +11185,8 @@
               <a:t>Алгоритм </a:t>
             </a:r>
             <a:r>
-              <a:rPr lang="ru-RU" dirty="0" err="1" smtClean="0"/>
-              <a:t>битонической</a:t>
-            </a:r>
-            <a:r>
-              <a:rPr lang="ru-RU" dirty="0" smtClean="0"/>
-              <a:t> сортировки </a:t>
+              <a:rPr lang="ru-RU" dirty="0" smtClean="0"/>
+              <a:t>битонической сортировки </a:t>
             </a:r>
             <a:r>
               <a:rPr lang="ru-RU" dirty="0"/>
@@ -10678,15 +11248,7 @@
             </a:r>
             <a:r>
               <a:rPr lang="ru-RU" dirty="0"/>
-              <a:t>на </a:t>
-            </a:r>
-            <a:r>
-              <a:rPr lang="ru-RU" dirty="0" err="1"/>
-              <a:t>подмассивы</a:t>
-            </a:r>
-            <a:r>
-              <a:rPr lang="ru-RU" dirty="0"/>
-              <a:t> степеней двойки в соответствии с представлением </a:t>
+              <a:t>на подмассивы степеней двойки в соответствии с представлением </a:t>
             </a:r>
             <a:r>
               <a:rPr lang="en-US" dirty="0"/>
@@ -10797,15 +11359,7 @@
             </a:r>
             <a:r>
               <a:rPr lang="ru-RU" dirty="0" smtClean="0"/>
-              <a:t>на </a:t>
-            </a:r>
-            <a:r>
-              <a:rPr lang="ru-RU" dirty="0" err="1" smtClean="0"/>
-              <a:t>подмассивы</a:t>
-            </a:r>
-            <a:r>
-              <a:rPr lang="ru-RU" dirty="0" smtClean="0"/>
-              <a:t> </a:t>
+              <a:t>на подмассивы </a:t>
             </a:r>
             <a:r>
               <a:rPr lang="ru-RU" dirty="0"/>
@@ -10859,12 +11413,8 @@
               <a:t> </a:t>
             </a:r>
             <a:r>
-              <a:rPr lang="ru-RU" dirty="0" err="1" smtClean="0"/>
-              <a:t>битонического</a:t>
-            </a:r>
-            <a:r>
-              <a:rPr lang="ru-RU" dirty="0" smtClean="0"/>
-              <a:t> слияния М</a:t>
+              <a:rPr lang="ru-RU" dirty="0" smtClean="0"/>
+              <a:t>битонического слияния М</a:t>
             </a:r>
             <a:r>
               <a:rPr lang="en-US" baseline="-25000" dirty="0" smtClean="0"/>
@@ -10886,13 +11436,8 @@
             </a:pPr>
             <a:r>
               <a:rPr lang="ru-RU" dirty="0" smtClean="0"/>
-              <a:t>К массиву применить </a:t>
-            </a:r>
-            <a:r>
-              <a:rPr lang="ru-RU" dirty="0" err="1" smtClean="0"/>
-              <a:t>полуочиститель</a:t>
-            </a:r>
-            <a:endParaRPr lang="ru-RU" dirty="0" smtClean="0"/>
+              <a:t>К массиву применить полуочиститель</a:t>
+            </a:r>
           </a:p>
           <a:p>
             <a:pPr marL="1657350" lvl="3" indent="-342900" algn="just">
@@ -10921,15 +11466,7 @@
             </a:pPr>
             <a:r>
               <a:rPr lang="ru-RU" dirty="0" smtClean="0"/>
-              <a:t>Передать правую часть свободному процессу для применения </a:t>
-            </a:r>
-            <a:r>
-              <a:rPr lang="ru-RU" dirty="0" err="1" smtClean="0"/>
-              <a:t>битонического</a:t>
-            </a:r>
-            <a:r>
-              <a:rPr lang="ru-RU" dirty="0" smtClean="0"/>
-              <a:t> слияния</a:t>
+              <a:t>Передать правую часть свободному процессу для применения битонического слияния</a:t>
             </a:r>
             <a:r>
               <a:rPr lang="ru-RU" dirty="0"/>
@@ -10971,12 +11508,8 @@
               <a:t> </a:t>
             </a:r>
             <a:r>
-              <a:rPr lang="ru-RU" dirty="0" err="1"/>
-              <a:t>битонического</a:t>
-            </a:r>
-            <a:r>
               <a:rPr lang="ru-RU" dirty="0"/>
-              <a:t> слияния М</a:t>
+              <a:t>битонического слияния М</a:t>
             </a:r>
             <a:r>
               <a:rPr lang="en-US" baseline="-25000" dirty="0" smtClean="0"/>
@@ -11029,12 +11562,8 @@
               <a:t> </a:t>
             </a:r>
             <a:r>
-              <a:rPr lang="ru-RU" dirty="0" err="1"/>
-              <a:t>битонического</a:t>
-            </a:r>
-            <a:r>
               <a:rPr lang="ru-RU" dirty="0"/>
-              <a:t> слияния М</a:t>
+              <a:t>битонического слияния М</a:t>
             </a:r>
             <a:r>
               <a:rPr lang="en-US" baseline="-25000" dirty="0"/>
@@ -11075,12 +11604,8 @@
               <a:t> </a:t>
             </a:r>
             <a:r>
-              <a:rPr lang="ru-RU" dirty="0" err="1"/>
-              <a:t>битонического</a:t>
-            </a:r>
-            <a:r>
               <a:rPr lang="ru-RU" dirty="0"/>
-              <a:t> слияния М</a:t>
+              <a:t>битонического слияния М</a:t>
             </a:r>
             <a:r>
               <a:rPr lang="en-US" baseline="-25000" dirty="0"/>
@@ -11152,12 +11677,8 @@
               <a:t>отсортированных </a:t>
             </a:r>
             <a:r>
-              <a:rPr lang="ru-RU" dirty="0" err="1" smtClean="0"/>
-              <a:t>подмассивов</a:t>
-            </a:r>
-            <a:r>
-              <a:rPr lang="ru-RU" dirty="0" smtClean="0"/>
-              <a:t> </a:t>
+              <a:rPr lang="ru-RU" dirty="0" smtClean="0"/>
+              <a:t>подмассивов </a:t>
             </a:r>
             <a:r>
               <a:rPr lang="ru-RU" dirty="0"/>
@@ -11193,10 +11714,211 @@
           </a:p>
         </p:txBody>
       </p:sp>
+      <p:sp>
+        <p:nvSpPr>
+          <p:cNvPr id="4" name="Нижний колонтитул 3"/>
+          <p:cNvSpPr>
+            <a:spLocks noGrp="1"/>
+          </p:cNvSpPr>
+          <p:nvPr>
+            <p:ph type="ftr" sz="quarter" idx="11"/>
+          </p:nvPr>
+        </p:nvSpPr>
+        <p:spPr/>
+        <p:txBody>
+          <a:bodyPr/>
+          <a:lstStyle/>
+          <a:p>
+            <a:r>
+              <a:rPr lang="en-US" smtClean="0"/>
+              <a:t>dmitry@protopopov.ru</a:t>
+            </a:r>
+            <a:endParaRPr lang="ru-RU"/>
+          </a:p>
+        </p:txBody>
+      </p:sp>
     </p:spTree>
     <p:extLst>
       <p:ext uri="{BB962C8B-B14F-4D97-AF65-F5344CB8AC3E}">
         <p14:creationId xmlns:p14="http://schemas.microsoft.com/office/powerpoint/2010/main" val="4281331268"/>
+      </p:ext>
+    </p:extLst>
+  </p:cSld>
+  <p:clrMapOvr>
+    <a:masterClrMapping/>
+  </p:clrMapOvr>
+</p:sld>
+</file>
+
+<file path=ppt/slides/slide25.xml><?xml version="1.0" encoding="utf-8"?>
+<p:sld xmlns:a="http://schemas.openxmlformats.org/drawingml/2006/main" xmlns:r="http://schemas.openxmlformats.org/officeDocument/2006/relationships" xmlns:p="http://schemas.openxmlformats.org/presentationml/2006/main">
+  <p:cSld>
+    <p:spTree>
+      <p:nvGrpSpPr>
+        <p:cNvPr id="1" name=""/>
+        <p:cNvGrpSpPr/>
+        <p:nvPr/>
+      </p:nvGrpSpPr>
+      <p:grpSpPr>
+        <a:xfrm>
+          <a:off x="0" y="0"/>
+          <a:ext cx="0" cy="0"/>
+          <a:chOff x="0" y="0"/>
+          <a:chExt cx="0" cy="0"/>
+        </a:xfrm>
+      </p:grpSpPr>
+      <p:sp>
+        <p:nvSpPr>
+          <p:cNvPr id="2" name="Заголовок 1"/>
+          <p:cNvSpPr>
+            <a:spLocks noGrp="1"/>
+          </p:cNvSpPr>
+          <p:nvPr>
+            <p:ph type="title"/>
+          </p:nvPr>
+        </p:nvSpPr>
+        <p:spPr/>
+        <p:txBody>
+          <a:bodyPr/>
+          <a:lstStyle/>
+          <a:p>
+            <a:r>
+              <a:rPr lang="ru-RU" dirty="0" smtClean="0"/>
+              <a:t>Спасибо за внимание</a:t>
+            </a:r>
+            <a:endParaRPr lang="ru-RU" dirty="0"/>
+          </a:p>
+        </p:txBody>
+      </p:sp>
+      <p:sp>
+        <p:nvSpPr>
+          <p:cNvPr id="3" name="Объект 2"/>
+          <p:cNvSpPr>
+            <a:spLocks noGrp="1"/>
+          </p:cNvSpPr>
+          <p:nvPr>
+            <p:ph idx="1"/>
+          </p:nvPr>
+        </p:nvSpPr>
+        <p:spPr/>
+        <p:txBody>
+          <a:bodyPr/>
+          <a:lstStyle/>
+          <a:p>
+            <a:r>
+              <a:rPr lang="ru-RU" dirty="0" smtClean="0"/>
+              <a:t>Контакты</a:t>
+            </a:r>
+            <a:endParaRPr lang="en-US" dirty="0" smtClean="0"/>
+          </a:p>
+          <a:p>
+            <a:pPr lvl="1"/>
+            <a:r>
+              <a:rPr lang="ru-RU" dirty="0" smtClean="0"/>
+              <a:t>Дмитрий Протопопов</a:t>
+            </a:r>
+            <a:r>
+              <a:rPr lang="en-US" dirty="0" smtClean="0"/>
+              <a:t>, </a:t>
+            </a:r>
+            <a:r>
+              <a:rPr lang="ru-RU" dirty="0" smtClean="0"/>
+              <a:t>Москва, Россия</a:t>
+            </a:r>
+            <a:r>
+              <a:rPr lang="en-US" dirty="0"/>
+              <a:t/>
+            </a:r>
+            <a:br>
+              <a:rPr lang="en-US" dirty="0"/>
+            </a:br>
+            <a:r>
+              <a:rPr lang="en-US" dirty="0"/>
+              <a:t> </a:t>
+            </a:r>
+            <a:r>
+              <a:rPr lang="en-US" dirty="0">
+                <a:hlinkClick r:id="rId3"/>
+              </a:rPr>
+              <a:t>dmitry@protopopov.ru</a:t>
+            </a:r>
+            <a:r>
+              <a:rPr lang="en-US" dirty="0"/>
+              <a:t> </a:t>
+            </a:r>
+            <a:br>
+              <a:rPr lang="en-US" dirty="0"/>
+            </a:br>
+            <a:r>
+              <a:rPr lang="en-US" dirty="0"/>
+              <a:t>+7 916 </a:t>
+            </a:r>
+            <a:r>
+              <a:rPr lang="en-US" dirty="0" smtClean="0"/>
+              <a:t>6969591</a:t>
+            </a:r>
+          </a:p>
+          <a:p>
+            <a:pPr marL="457200" lvl="1" indent="0">
+              <a:buNone/>
+            </a:pPr>
+            <a:endParaRPr lang="ru-RU" dirty="0" smtClean="0"/>
+          </a:p>
+          <a:p>
+            <a:pPr marL="457200" lvl="1" indent="0">
+              <a:buNone/>
+            </a:pPr>
+            <a:r>
+              <a:rPr lang="ru-RU" dirty="0" smtClean="0"/>
+              <a:t>Исходные коды и примеры использования доступны по адресу </a:t>
+            </a:r>
+            <a:r>
+              <a:rPr lang="en-US" dirty="0">
+                <a:hlinkClick r:id="rId4"/>
+              </a:rPr>
+              <a:t>https://</a:t>
+            </a:r>
+            <a:r>
+              <a:rPr lang="en-US" dirty="0" smtClean="0">
+                <a:hlinkClick r:id="rId4"/>
+              </a:rPr>
+              <a:t>github.com/dprotopopov/ParallelSorting</a:t>
+            </a:r>
+            <a:endParaRPr lang="ru-RU" dirty="0" smtClean="0"/>
+          </a:p>
+          <a:p>
+            <a:pPr lvl="1"/>
+            <a:endParaRPr lang="en-US" dirty="0" smtClean="0"/>
+          </a:p>
+        </p:txBody>
+      </p:sp>
+      <p:sp>
+        <p:nvSpPr>
+          <p:cNvPr id="4" name="Нижний колонтитул 3"/>
+          <p:cNvSpPr>
+            <a:spLocks noGrp="1"/>
+          </p:cNvSpPr>
+          <p:nvPr>
+            <p:ph type="ftr" sz="quarter" idx="11"/>
+          </p:nvPr>
+        </p:nvSpPr>
+        <p:spPr/>
+        <p:txBody>
+          <a:bodyPr/>
+          <a:lstStyle/>
+          <a:p>
+            <a:r>
+              <a:rPr lang="en-US" dirty="0" smtClean="0"/>
+              <a:t>dmitry@protopopov.ru</a:t>
+            </a:r>
+            <a:endParaRPr lang="ru-RU" dirty="0"/>
+          </a:p>
+        </p:txBody>
+      </p:sp>
+    </p:spTree>
+    <p:extLst>
+      <p:ext uri="{BB962C8B-B14F-4D97-AF65-F5344CB8AC3E}">
+        <p14:creationId xmlns:p14="http://schemas.microsoft.com/office/powerpoint/2010/main" val="2489706065"/>
       </p:ext>
     </p:extLst>
   </p:cSld>
@@ -11270,15 +11992,7 @@
             <a:pPr algn="just"/>
             <a:r>
               <a:rPr lang="ru-RU" dirty="0" smtClean="0"/>
-              <a:t>Доказано, что если применить </a:t>
-            </a:r>
-            <a:r>
-              <a:rPr lang="ru-RU" dirty="0" err="1" smtClean="0"/>
-              <a:t>полуочиститель</a:t>
-            </a:r>
-            <a:r>
-              <a:rPr lang="ru-RU" dirty="0" smtClean="0"/>
-              <a:t> </a:t>
+              <a:t>Доказано, что если применить полуочиститель </a:t>
             </a:r>
             <a:r>
               <a:rPr lang="ru-RU" dirty="0" err="1" smtClean="0"/>
@@ -11290,15 +12004,7 @@
             </a:r>
             <a:r>
               <a:rPr lang="ru-RU" dirty="0" smtClean="0"/>
-              <a:t> к </a:t>
-            </a:r>
-            <a:r>
-              <a:rPr lang="ru-RU" dirty="0" err="1" smtClean="0"/>
-              <a:t>битонической</a:t>
-            </a:r>
-            <a:r>
-              <a:rPr lang="ru-RU" dirty="0" smtClean="0"/>
-              <a:t> последовательности </a:t>
+              <a:t> к битонической последовательности </a:t>
             </a:r>
             <a:r>
               <a:rPr lang="en-US" dirty="0" smtClean="0"/>
@@ -11382,6 +12088,29 @@
               <a:rPr lang="ru-RU" dirty="0" smtClean="0"/>
               <a:t>хотя бы одна из половин является монотонной.</a:t>
             </a:r>
+          </a:p>
+        </p:txBody>
+      </p:sp>
+      <p:sp>
+        <p:nvSpPr>
+          <p:cNvPr id="4" name="Нижний колонтитул 3"/>
+          <p:cNvSpPr>
+            <a:spLocks noGrp="1"/>
+          </p:cNvSpPr>
+          <p:nvPr>
+            <p:ph type="ftr" sz="quarter" idx="11"/>
+          </p:nvPr>
+        </p:nvSpPr>
+        <p:spPr/>
+        <p:txBody>
+          <a:bodyPr/>
+          <a:lstStyle/>
+          <a:p>
+            <a:r>
+              <a:rPr lang="en-US" smtClean="0"/>
+              <a:t>dmitry@protopopov.ru</a:t>
+            </a:r>
+            <a:endParaRPr lang="ru-RU"/>
           </a:p>
         </p:txBody>
       </p:sp>
@@ -11431,12 +12160,8 @@
           <a:lstStyle/>
           <a:p>
             <a:r>
-              <a:rPr lang="ru-RU" dirty="0" err="1"/>
-              <a:t>Битоническая</a:t>
-            </a:r>
-            <a:r>
               <a:rPr lang="ru-RU" dirty="0"/>
-              <a:t> сортировка</a:t>
+              <a:t>Битоническая сортировка</a:t>
             </a:r>
           </a:p>
         </p:txBody>
@@ -11461,15 +12186,7 @@
             <a:pPr algn="just"/>
             <a:r>
               <a:rPr lang="ru-RU" dirty="0"/>
-              <a:t>Применив к </a:t>
-            </a:r>
-            <a:r>
-              <a:rPr lang="ru-RU" dirty="0" err="1"/>
-              <a:t>битонической</a:t>
-            </a:r>
-            <a:r>
-              <a:rPr lang="ru-RU" dirty="0"/>
-              <a:t> последовательности </a:t>
+              <a:t>Применив к битонической последовательности </a:t>
             </a:r>
             <a:r>
               <a:rPr lang="en-US" dirty="0"/>
@@ -11512,12 +12229,8 @@
               <a:t>] </a:t>
             </a:r>
             <a:r>
-              <a:rPr lang="ru-RU" dirty="0" err="1"/>
-              <a:t>полуочиститель</a:t>
-            </a:r>
-            <a:r>
               <a:rPr lang="ru-RU" dirty="0"/>
-              <a:t> </a:t>
+              <a:t>полуочиститель </a:t>
             </a:r>
             <a:r>
               <a:rPr lang="ru-RU" dirty="0" err="1"/>
@@ -11549,30 +12262,14 @@
             </a:r>
             <a:r>
               <a:rPr lang="ru-RU" dirty="0"/>
-              <a:t>каждая из которых будет </a:t>
-            </a:r>
-            <a:r>
-              <a:rPr lang="ru-RU" dirty="0" err="1"/>
-              <a:t>битонической</a:t>
-            </a:r>
+              <a:t>каждая из которых будет битонической, а каждый элемент первой не превысит каждый элемент второй.</a:t>
+            </a:r>
+          </a:p>
+          <a:p>
+            <a:pPr algn="just"/>
             <a:r>
               <a:rPr lang="ru-RU" dirty="0"/>
-              <a:t>, а каждый элемент первой не превысит каждый элемент второй.</a:t>
-            </a:r>
-          </a:p>
-          <a:p>
-            <a:pPr algn="just"/>
-            <a:r>
-              <a:rPr lang="ru-RU" dirty="0"/>
-              <a:t>Далее применим к каждой из получившихся половин </a:t>
-            </a:r>
-            <a:r>
-              <a:rPr lang="ru-RU" dirty="0" err="1"/>
-              <a:t>полуочиститель</a:t>
-            </a:r>
-            <a:r>
-              <a:rPr lang="ru-RU" dirty="0"/>
-              <a:t> </a:t>
+              <a:t>Далее применим к каждой из получившихся половин полуочиститель </a:t>
             </a:r>
             <a:r>
               <a:rPr lang="ru-RU" dirty="0" err="1"/>
@@ -11592,15 +12289,7 @@
             </a:r>
             <a:r>
               <a:rPr lang="ru-RU" dirty="0"/>
-              <a:t>получим уже четыре </a:t>
-            </a:r>
-            <a:r>
-              <a:rPr lang="ru-RU" dirty="0" err="1"/>
-              <a:t>битонические</a:t>
-            </a:r>
-            <a:r>
-              <a:rPr lang="ru-RU" dirty="0"/>
-              <a:t> последовательности длины </a:t>
+              <a:t>получим уже четыре битонические последовательности длины </a:t>
             </a:r>
             <a:r>
               <a:rPr lang="ru-RU" baseline="30000" dirty="0" smtClean="0"/>
@@ -11624,15 +12313,7 @@
             <a:pPr algn="just"/>
             <a:r>
               <a:rPr lang="ru-RU" dirty="0"/>
-              <a:t>Применим к каждой из них </a:t>
-            </a:r>
-            <a:r>
-              <a:rPr lang="ru-RU" dirty="0" err="1"/>
-              <a:t>полуочиститель</a:t>
-            </a:r>
-            <a:r>
-              <a:rPr lang="ru-RU" dirty="0"/>
-              <a:t> </a:t>
+              <a:t>Применим к каждой из них полуочиститель </a:t>
             </a:r>
             <a:r>
               <a:rPr lang="ru-RU" dirty="0" err="1"/>
@@ -11675,15 +12356,7 @@
             <a:pPr algn="just"/>
             <a:r>
               <a:rPr lang="ru-RU" dirty="0"/>
-              <a:t>Применив к каждой из них </a:t>
-            </a:r>
-            <a:r>
-              <a:rPr lang="ru-RU" dirty="0" err="1"/>
-              <a:t>полуочиститель</a:t>
-            </a:r>
-            <a:r>
-              <a:rPr lang="ru-RU" dirty="0"/>
-              <a:t> B</a:t>
+              <a:t>Применив к каждой из них полуочиститель B</a:t>
             </a:r>
             <a:r>
               <a:rPr lang="ru-RU" baseline="-25000" dirty="0"/>
@@ -11706,6 +12379,29 @@
               <a:t>упорядочены, получим отсортированную последовательность.</a:t>
             </a:r>
             <a:endParaRPr lang="ru-RU" dirty="0"/>
+          </a:p>
+        </p:txBody>
+      </p:sp>
+      <p:sp>
+        <p:nvSpPr>
+          <p:cNvPr id="4" name="Нижний колонтитул 3"/>
+          <p:cNvSpPr>
+            <a:spLocks noGrp="1"/>
+          </p:cNvSpPr>
+          <p:nvPr>
+            <p:ph type="ftr" sz="quarter" idx="11"/>
+          </p:nvPr>
+        </p:nvSpPr>
+        <p:spPr/>
+        <p:txBody>
+          <a:bodyPr/>
+          <a:lstStyle/>
+          <a:p>
+            <a:r>
+              <a:rPr lang="en-US" smtClean="0"/>
+              <a:t>dmitry@protopopov.ru</a:t>
+            </a:r>
+            <a:endParaRPr lang="ru-RU"/>
           </a:p>
         </p:txBody>
       </p:sp>
@@ -11784,15 +12480,7 @@
             <a:pPr algn="just"/>
             <a:r>
               <a:rPr lang="ru-RU" dirty="0" smtClean="0"/>
-              <a:t>Итак, последовательное применение </a:t>
-            </a:r>
-            <a:r>
-              <a:rPr lang="ru-RU" dirty="0" err="1" smtClean="0"/>
-              <a:t>полуочистителей</a:t>
-            </a:r>
-            <a:r>
-              <a:rPr lang="ru-RU" dirty="0" smtClean="0"/>
-              <a:t> </a:t>
+              <a:t>Итак, последовательное применение полуочистителей </a:t>
             </a:r>
             <a:r>
               <a:rPr lang="ru-RU" dirty="0" err="1" smtClean="0"/>
@@ -11828,30 +12516,14 @@
             </a:r>
             <a:r>
               <a:rPr lang="ru-RU" dirty="0" smtClean="0"/>
-              <a:t> сортирует произвольную </a:t>
-            </a:r>
-            <a:r>
-              <a:rPr lang="ru-RU" dirty="0" err="1" smtClean="0"/>
-              <a:t>битоническую</a:t>
-            </a:r>
-            <a:r>
-              <a:rPr lang="ru-RU" dirty="0" smtClean="0"/>
-              <a:t> последовательность.</a:t>
+              <a:t> сортирует произвольную битоническую последовательность.</a:t>
             </a:r>
           </a:p>
           <a:p>
             <a:pPr algn="just"/>
             <a:r>
               <a:rPr lang="ru-RU" dirty="0" smtClean="0"/>
-              <a:t>Эту операцию называют </a:t>
-            </a:r>
-            <a:r>
-              <a:rPr lang="ru-RU" dirty="0" err="1" smtClean="0"/>
-              <a:t>битоническим</a:t>
-            </a:r>
-            <a:r>
-              <a:rPr lang="ru-RU" dirty="0" smtClean="0"/>
-              <a:t> слиянием и обозначают </a:t>
+              <a:t>Эту операцию называют битоническим слиянием и обозначают </a:t>
             </a:r>
             <a:r>
               <a:rPr lang="ru-RU" dirty="0" err="1" smtClean="0"/>
@@ -11869,6 +12541,29 @@
           <a:p>
             <a:pPr algn="just"/>
             <a:endParaRPr lang="ru-RU" dirty="0"/>
+          </a:p>
+        </p:txBody>
+      </p:sp>
+      <p:sp>
+        <p:nvSpPr>
+          <p:cNvPr id="4" name="Нижний колонтитул 3"/>
+          <p:cNvSpPr>
+            <a:spLocks noGrp="1"/>
+          </p:cNvSpPr>
+          <p:nvPr>
+            <p:ph type="ftr" sz="quarter" idx="11"/>
+          </p:nvPr>
+        </p:nvSpPr>
+        <p:spPr/>
+        <p:txBody>
+          <a:bodyPr/>
+          <a:lstStyle/>
+          <a:p>
+            <a:r>
+              <a:rPr lang="en-US" smtClean="0"/>
+              <a:t>dmitry@protopopov.ru</a:t>
+            </a:r>
+            <a:endParaRPr lang="ru-RU"/>
           </a:p>
         </p:txBody>
       </p:sp>
@@ -11919,15 +12614,7 @@
           <a:p>
             <a:r>
               <a:rPr lang="ru-RU" dirty="0" smtClean="0"/>
-              <a:t>Получение </a:t>
-            </a:r>
-            <a:r>
-              <a:rPr lang="ru-RU" dirty="0" err="1" smtClean="0"/>
-              <a:t>битонической</a:t>
-            </a:r>
-            <a:r>
-              <a:rPr lang="ru-RU" dirty="0" smtClean="0"/>
-              <a:t> последовательности</a:t>
+              <a:t>Получение битонической последовательности</a:t>
             </a:r>
             <a:endParaRPr lang="ru-RU" dirty="0"/>
           </a:p>
@@ -12001,15 +12688,7 @@
             <a:pPr algn="just"/>
             <a:r>
               <a:rPr lang="ru-RU" dirty="0" smtClean="0"/>
-              <a:t>Очевидно, что данный массив может быть преобразован к </a:t>
-            </a:r>
-            <a:r>
-              <a:rPr lang="ru-RU" dirty="0" err="1" smtClean="0"/>
-              <a:t>битонической</a:t>
-            </a:r>
-            <a:r>
-              <a:rPr lang="ru-RU" dirty="0" smtClean="0"/>
-              <a:t> последовательности с помощью разделения массива на два </a:t>
+              <a:t>Очевидно, что данный массив может быть преобразован к битонической последовательности с помощью разделения массива на два </a:t>
             </a:r>
             <a:r>
               <a:rPr lang="ru-RU" dirty="0" err="1" smtClean="0"/>
@@ -12032,23 +12711,7 @@
             <a:pPr algn="just"/>
             <a:r>
               <a:rPr lang="ru-RU" dirty="0" smtClean="0"/>
-              <a:t>После того, как массив будет преобразован к </a:t>
-            </a:r>
-            <a:r>
-              <a:rPr lang="ru-RU" dirty="0" err="1" smtClean="0"/>
-              <a:t>битонической</a:t>
-            </a:r>
-            <a:r>
-              <a:rPr lang="ru-RU" dirty="0" smtClean="0"/>
-              <a:t> последовательности к нему можно будет применить операцию </a:t>
-            </a:r>
-            <a:r>
-              <a:rPr lang="ru-RU" dirty="0" err="1" smtClean="0"/>
-              <a:t>битонического</a:t>
-            </a:r>
-            <a:r>
-              <a:rPr lang="ru-RU" dirty="0" smtClean="0"/>
-              <a:t> слияния </a:t>
+              <a:t>После того, как массив будет преобразован к битонической последовательности к нему можно будет применить операцию битонического слияния </a:t>
             </a:r>
             <a:r>
               <a:rPr lang="ru-RU" dirty="0" err="1" smtClean="0"/>
@@ -12067,23 +12730,7 @@
             <a:pPr algn="just"/>
             <a:r>
               <a:rPr lang="ru-RU" dirty="0" smtClean="0"/>
-              <a:t>Для сортировки </a:t>
-            </a:r>
-            <a:r>
-              <a:rPr lang="ru-RU" dirty="0" err="1" smtClean="0"/>
-              <a:t>подмассивов</a:t>
-            </a:r>
-            <a:r>
-              <a:rPr lang="ru-RU" dirty="0" smtClean="0"/>
-              <a:t> может быть применён алгоритм </a:t>
-            </a:r>
-            <a:r>
-              <a:rPr lang="ru-RU" dirty="0" err="1" smtClean="0"/>
-              <a:t>битонической</a:t>
-            </a:r>
-            <a:r>
-              <a:rPr lang="ru-RU" dirty="0" smtClean="0"/>
-              <a:t> сортировки, либо любой другой алгоритм сортировки</a:t>
+              <a:t>Для сортировки подмассивов может быть применён алгоритм битонической сортировки, либо любой другой алгоритм сортировки</a:t>
             </a:r>
           </a:p>
           <a:p>
@@ -12097,30 +12744,41 @@
               <a:t>сортировки </a:t>
             </a:r>
             <a:r>
-              <a:rPr lang="ru-RU" dirty="0" err="1" smtClean="0"/>
-              <a:t>подмассивов</a:t>
-            </a:r>
-            <a:r>
-              <a:rPr lang="ru-RU" dirty="0" smtClean="0"/>
-              <a:t> применён </a:t>
+              <a:rPr lang="ru-RU" dirty="0" smtClean="0"/>
+              <a:t>подмассивов применён </a:t>
             </a:r>
             <a:r>
               <a:rPr lang="ru-RU" dirty="0"/>
-              <a:t>алгоритм </a:t>
-            </a:r>
-            <a:r>
-              <a:rPr lang="ru-RU" dirty="0" err="1"/>
-              <a:t>битонической</a:t>
-            </a:r>
-            <a:r>
-              <a:rPr lang="ru-RU" dirty="0"/>
-              <a:t> </a:t>
+              <a:t>алгоритм битонической </a:t>
             </a:r>
             <a:r>
               <a:rPr lang="ru-RU" dirty="0" smtClean="0"/>
               <a:t>сортировки.</a:t>
             </a:r>
             <a:endParaRPr lang="ru-RU" dirty="0"/>
+          </a:p>
+        </p:txBody>
+      </p:sp>
+      <p:sp>
+        <p:nvSpPr>
+          <p:cNvPr id="4" name="Нижний колонтитул 3"/>
+          <p:cNvSpPr>
+            <a:spLocks noGrp="1"/>
+          </p:cNvSpPr>
+          <p:nvPr>
+            <p:ph type="ftr" sz="quarter" idx="11"/>
+          </p:nvPr>
+        </p:nvSpPr>
+        <p:spPr/>
+        <p:txBody>
+          <a:bodyPr/>
+          <a:lstStyle/>
+          <a:p>
+            <a:r>
+              <a:rPr lang="en-US" smtClean="0"/>
+              <a:t>dmitry@protopopov.ru</a:t>
+            </a:r>
+            <a:endParaRPr lang="ru-RU"/>
           </a:p>
         </p:txBody>
       </p:sp>
@@ -12189,7 +12847,9 @@
         </p:nvSpPr>
         <p:spPr/>
         <p:txBody>
-          <a:bodyPr/>
+          <a:bodyPr>
+            <a:normAutofit/>
+          </a:bodyPr>
           <a:lstStyle/>
           <a:p>
             <a:pPr algn="just"/>
@@ -12199,53 +12859,45 @@
             </a:r>
             <a:r>
               <a:rPr lang="ru-RU" dirty="0"/>
-              <a:t>последовательное применение </a:t>
+              <a:t>последовательное применение полуочистителей </a:t>
             </a:r>
             <a:r>
               <a:rPr lang="ru-RU" dirty="0" err="1"/>
-              <a:t>полуочистителей</a:t>
+              <a:t>B</a:t>
+            </a:r>
+            <a:r>
+              <a:rPr lang="ru-RU" baseline="-25000" dirty="0" err="1"/>
+              <a:t>n</a:t>
+            </a:r>
+            <a:r>
+              <a:rPr lang="ru-RU" dirty="0"/>
+              <a:t>, </a:t>
+            </a:r>
+            <a:r>
+              <a:rPr lang="ru-RU" dirty="0" err="1"/>
+              <a:t>B</a:t>
+            </a:r>
+            <a:r>
+              <a:rPr lang="ru-RU" baseline="-25000" dirty="0" err="1"/>
+              <a:t>n</a:t>
+            </a:r>
+            <a:r>
+              <a:rPr lang="ru-RU" baseline="-25000" dirty="0"/>
+              <a:t>/2</a:t>
+            </a:r>
+            <a:r>
+              <a:rPr lang="ru-RU" dirty="0"/>
+              <a:t>, …, B</a:t>
+            </a:r>
+            <a:r>
+              <a:rPr lang="ru-RU" baseline="-25000" dirty="0"/>
+              <a:t>2</a:t>
             </a:r>
             <a:r>
               <a:rPr lang="ru-RU" dirty="0"/>
               <a:t> </a:t>
             </a:r>
             <a:r>
-              <a:rPr lang="ru-RU" dirty="0" err="1"/>
-              <a:t>B</a:t>
-            </a:r>
-            <a:r>
-              <a:rPr lang="ru-RU" baseline="-25000" dirty="0" err="1"/>
-              <a:t>n</a:t>
-            </a:r>
-            <a:r>
-              <a:rPr lang="ru-RU" dirty="0"/>
-              <a:t>, </a:t>
-            </a:r>
-            <a:r>
-              <a:rPr lang="ru-RU" dirty="0" err="1"/>
-              <a:t>B</a:t>
-            </a:r>
-            <a:r>
-              <a:rPr lang="ru-RU" baseline="-25000" dirty="0" err="1"/>
-              <a:t>n</a:t>
-            </a:r>
-            <a:r>
-              <a:rPr lang="ru-RU" baseline="-25000" dirty="0"/>
-              <a:t>/2</a:t>
-            </a:r>
-            <a:r>
-              <a:rPr lang="ru-RU" dirty="0"/>
-              <a:t>, …, B</a:t>
-            </a:r>
-            <a:r>
-              <a:rPr lang="ru-RU" baseline="-25000" dirty="0"/>
-              <a:t>2</a:t>
-            </a:r>
-            <a:r>
-              <a:rPr lang="ru-RU" dirty="0"/>
-              <a:t> </a:t>
-            </a:r>
-            <a:r>
               <a:rPr lang="ru-RU" dirty="0" smtClean="0"/>
               <a:t>для массива </a:t>
             </a:r>
@@ -12291,15 +12943,7 @@
             </a:r>
             <a:r>
               <a:rPr lang="ru-RU" dirty="0" smtClean="0"/>
-              <a:t>, то очевидно, что это накладывает ограничение на размер массива к которому может быть применён алгоритм </a:t>
-            </a:r>
-            <a:r>
-              <a:rPr lang="ru-RU" dirty="0" err="1" smtClean="0"/>
-              <a:t>битонической</a:t>
-            </a:r>
-            <a:r>
-              <a:rPr lang="ru-RU" dirty="0" smtClean="0"/>
-              <a:t> сортировки – размер массива должен быть равен степени двойки, то есть </a:t>
+              <a:t>, то очевидно, что это накладывает ограничение на размер массива к которому может быть применён алгоритм битонической сортировки – размер массива должен быть равен степени двойки, то есть </a:t>
             </a:r>
           </a:p>
           <a:p>
@@ -12328,15 +12972,7 @@
             </a:r>
             <a:r>
               <a:rPr lang="ru-RU" dirty="0" smtClean="0"/>
-              <a:t>исходный массив должен быть разделён на </a:t>
-            </a:r>
-            <a:r>
-              <a:rPr lang="ru-RU" dirty="0" err="1" smtClean="0"/>
-              <a:t>подмассивы</a:t>
-            </a:r>
-            <a:r>
-              <a:rPr lang="ru-RU" dirty="0" smtClean="0"/>
-              <a:t> размера степени двойки. Каждый </a:t>
+              <a:t>исходный массив должен быть разделён на подмассивы размера степени двойки. Каждый </a:t>
             </a:r>
             <a:r>
               <a:rPr lang="ru-RU" dirty="0" err="1" smtClean="0"/>
@@ -12344,15 +12980,7 @@
             </a:r>
             <a:r>
               <a:rPr lang="ru-RU" dirty="0" smtClean="0"/>
-              <a:t> сортируется </a:t>
-            </a:r>
-            <a:r>
-              <a:rPr lang="ru-RU" dirty="0" err="1" smtClean="0"/>
-              <a:t>битонической</a:t>
-            </a:r>
-            <a:r>
-              <a:rPr lang="ru-RU" dirty="0" smtClean="0"/>
-              <a:t> сортировкой, а затем производится </a:t>
+              <a:t> сортируется битонической сортировкой, а затем производится </a:t>
             </a:r>
             <a:r>
               <a:rPr lang="ru-RU" b="1" dirty="0" smtClean="0"/>
@@ -12360,17 +12988,32 @@
             </a:r>
             <a:r>
               <a:rPr lang="ru-RU" dirty="0" smtClean="0"/>
-              <a:t> уже отсортированных </a:t>
-            </a:r>
-            <a:r>
-              <a:rPr lang="ru-RU" dirty="0" err="1" smtClean="0"/>
-              <a:t>подмассивов</a:t>
-            </a:r>
-            <a:r>
-              <a:rPr lang="ru-RU" dirty="0" smtClean="0"/>
-              <a:t> в итоговый отсортированный массив</a:t>
+              <a:t> уже отсортированных подмассивов в итоговый отсортированный массив</a:t>
             </a:r>
             <a:endParaRPr lang="ru-RU" dirty="0"/>
+          </a:p>
+        </p:txBody>
+      </p:sp>
+      <p:sp>
+        <p:nvSpPr>
+          <p:cNvPr id="4" name="Нижний колонтитул 3"/>
+          <p:cNvSpPr>
+            <a:spLocks noGrp="1"/>
+          </p:cNvSpPr>
+          <p:nvPr>
+            <p:ph type="ftr" sz="quarter" idx="11"/>
+          </p:nvPr>
+        </p:nvSpPr>
+        <p:spPr/>
+        <p:txBody>
+          <a:bodyPr/>
+          <a:lstStyle/>
+          <a:p>
+            <a:r>
+              <a:rPr lang="en-US" smtClean="0"/>
+              <a:t>dmitry@protopopov.ru</a:t>
+            </a:r>
+            <a:endParaRPr lang="ru-RU"/>
           </a:p>
         </p:txBody>
       </p:sp>
@@ -12482,6 +13125,29 @@
               <a:t>z</a:t>
             </a:r>
             <a:endParaRPr lang="ru-RU" baseline="30000" dirty="0"/>
+          </a:p>
+        </p:txBody>
+      </p:sp>
+      <p:sp>
+        <p:nvSpPr>
+          <p:cNvPr id="18" name="Нижний колонтитул 17"/>
+          <p:cNvSpPr>
+            <a:spLocks noGrp="1"/>
+          </p:cNvSpPr>
+          <p:nvPr>
+            <p:ph type="ftr" sz="quarter" idx="11"/>
+          </p:nvPr>
+        </p:nvSpPr>
+        <p:spPr/>
+        <p:txBody>
+          <a:bodyPr/>
+          <a:lstStyle/>
+          <a:p>
+            <a:r>
+              <a:rPr lang="en-US" smtClean="0"/>
+              <a:t>dmitry@protopopov.ru</a:t>
+            </a:r>
+            <a:endParaRPr lang="ru-RU"/>
           </a:p>
         </p:txBody>
       </p:sp>
@@ -13259,7 +13925,9 @@
         </p:nvSpPr>
         <p:spPr/>
         <p:txBody>
-          <a:bodyPr/>
+          <a:bodyPr>
+            <a:normAutofit/>
+          </a:bodyPr>
           <a:lstStyle/>
           <a:p>
             <a:r>
@@ -13403,6 +14071,29 @@
               <a:buNone/>
             </a:pPr>
             <a:endParaRPr lang="ru-RU" dirty="0"/>
+          </a:p>
+        </p:txBody>
+      </p:sp>
+      <p:sp>
+        <p:nvSpPr>
+          <p:cNvPr id="4" name="Нижний колонтитул 3"/>
+          <p:cNvSpPr>
+            <a:spLocks noGrp="1"/>
+          </p:cNvSpPr>
+          <p:nvPr>
+            <p:ph type="ftr" sz="quarter" idx="11"/>
+          </p:nvPr>
+        </p:nvSpPr>
+        <p:spPr/>
+        <p:txBody>
+          <a:bodyPr/>
+          <a:lstStyle/>
+          <a:p>
+            <a:r>
+              <a:rPr lang="en-US" smtClean="0"/>
+              <a:t>dmitry@protopopov.ru</a:t>
+            </a:r>
+            <a:endParaRPr lang="ru-RU"/>
           </a:p>
         </p:txBody>
       </p:sp>
@@ -13674,4 +14365,265 @@
     </a:ext>
   </a:extLst>
 </a:theme>
+</file>
+
+<file path=ppt/theme/theme2.xml><?xml version="1.0" encoding="utf-8"?>
+<a:theme xmlns:a="http://schemas.openxmlformats.org/drawingml/2006/main" name="Тема Office">
+  <a:themeElements>
+    <a:clrScheme name="Стандартная">
+      <a:dk1>
+        <a:sysClr val="windowText" lastClr="000000"/>
+      </a:dk1>
+      <a:lt1>
+        <a:sysClr val="window" lastClr="FFFFFF"/>
+      </a:lt1>
+      <a:dk2>
+        <a:srgbClr val="44546A"/>
+      </a:dk2>
+      <a:lt2>
+        <a:srgbClr val="E7E6E6"/>
+      </a:lt2>
+      <a:accent1>
+        <a:srgbClr val="5B9BD5"/>
+      </a:accent1>
+      <a:accent2>
+        <a:srgbClr val="ED7D31"/>
+      </a:accent2>
+      <a:accent3>
+        <a:srgbClr val="A5A5A5"/>
+      </a:accent3>
+      <a:accent4>
+        <a:srgbClr val="FFC000"/>
+      </a:accent4>
+      <a:accent5>
+        <a:srgbClr val="4472C4"/>
+      </a:accent5>
+      <a:accent6>
+        <a:srgbClr val="70AD47"/>
+      </a:accent6>
+      <a:hlink>
+        <a:srgbClr val="0563C1"/>
+      </a:hlink>
+      <a:folHlink>
+        <a:srgbClr val="954F72"/>
+      </a:folHlink>
+    </a:clrScheme>
+    <a:fontScheme name="Стандартная">
+      <a:majorFont>
+        <a:latin typeface="Calibri Light" panose="020F0302020204030204"/>
+        <a:ea typeface=""/>
+        <a:cs typeface=""/>
+        <a:font script="Jpan" typeface="ＭＳ Ｐゴシック"/>
+        <a:font script="Hang" typeface="맑은 고딕"/>
+        <a:font script="Hans" typeface="宋体"/>
+        <a:font script="Hant" typeface="新細明體"/>
+        <a:font script="Arab" typeface="Times New Roman"/>
+        <a:font script="Hebr" typeface="Times New Roman"/>
+        <a:font script="Thai" typeface="Angsana New"/>
+        <a:font script="Ethi" typeface="Nyala"/>
+        <a:font script="Beng" typeface="Vrinda"/>
+        <a:font script="Gujr" typeface="Shruti"/>
+        <a:font script="Khmr" typeface="MoolBoran"/>
+        <a:font script="Knda" typeface="Tunga"/>
+        <a:font script="Guru" typeface="Raavi"/>
+        <a:font script="Cans" typeface="Euphemia"/>
+        <a:font script="Cher" typeface="Plantagenet Cherokee"/>
+        <a:font script="Yiii" typeface="Microsoft Yi Baiti"/>
+        <a:font script="Tibt" typeface="Microsoft Himalaya"/>
+        <a:font script="Thaa" typeface="MV Boli"/>
+        <a:font script="Deva" typeface="Mangal"/>
+        <a:font script="Telu" typeface="Gautami"/>
+        <a:font script="Taml" typeface="Latha"/>
+        <a:font script="Syrc" typeface="Estrangelo Edessa"/>
+        <a:font script="Orya" typeface="Kalinga"/>
+        <a:font script="Mlym" typeface="Kartika"/>
+        <a:font script="Laoo" typeface="DokChampa"/>
+        <a:font script="Sinh" typeface="Iskoola Pota"/>
+        <a:font script="Mong" typeface="Mongolian Baiti"/>
+        <a:font script="Viet" typeface="Times New Roman"/>
+        <a:font script="Uigh" typeface="Microsoft Uighur"/>
+        <a:font script="Geor" typeface="Sylfaen"/>
+      </a:majorFont>
+      <a:minorFont>
+        <a:latin typeface="Calibri" panose="020F0502020204030204"/>
+        <a:ea typeface=""/>
+        <a:cs typeface=""/>
+        <a:font script="Jpan" typeface="ＭＳ Ｐゴシック"/>
+        <a:font script="Hang" typeface="맑은 고딕"/>
+        <a:font script="Hans" typeface="宋体"/>
+        <a:font script="Hant" typeface="新細明體"/>
+        <a:font script="Arab" typeface="Arial"/>
+        <a:font script="Hebr" typeface="Arial"/>
+        <a:font script="Thai" typeface="Cordia New"/>
+        <a:font script="Ethi" typeface="Nyala"/>
+        <a:font script="Beng" typeface="Vrinda"/>
+        <a:font script="Gujr" typeface="Shruti"/>
+        <a:font script="Khmr" typeface="DaunPenh"/>
+        <a:font script="Knda" typeface="Tunga"/>
+        <a:font script="Guru" typeface="Raavi"/>
+        <a:font script="Cans" typeface="Euphemia"/>
+        <a:font script="Cher" typeface="Plantagenet Cherokee"/>
+        <a:font script="Yiii" typeface="Microsoft Yi Baiti"/>
+        <a:font script="Tibt" typeface="Microsoft Himalaya"/>
+        <a:font script="Thaa" typeface="MV Boli"/>
+        <a:font script="Deva" typeface="Mangal"/>
+        <a:font script="Telu" typeface="Gautami"/>
+        <a:font script="Taml" typeface="Latha"/>
+        <a:font script="Syrc" typeface="Estrangelo Edessa"/>
+        <a:font script="Orya" typeface="Kalinga"/>
+        <a:font script="Mlym" typeface="Kartika"/>
+        <a:font script="Laoo" typeface="DokChampa"/>
+        <a:font script="Sinh" typeface="Iskoola Pota"/>
+        <a:font script="Mong" typeface="Mongolian Baiti"/>
+        <a:font script="Viet" typeface="Arial"/>
+        <a:font script="Uigh" typeface="Microsoft Uighur"/>
+        <a:font script="Geor" typeface="Sylfaen"/>
+      </a:minorFont>
+    </a:fontScheme>
+    <a:fmtScheme name="Стандартная">
+      <a:fillStyleLst>
+        <a:solidFill>
+          <a:schemeClr val="phClr"/>
+        </a:solidFill>
+        <a:gradFill rotWithShape="1">
+          <a:gsLst>
+            <a:gs pos="0">
+              <a:schemeClr val="phClr">
+                <a:lumMod val="110000"/>
+                <a:satMod val="105000"/>
+                <a:tint val="67000"/>
+              </a:schemeClr>
+            </a:gs>
+            <a:gs pos="50000">
+              <a:schemeClr val="phClr">
+                <a:lumMod val="105000"/>
+                <a:satMod val="103000"/>
+                <a:tint val="73000"/>
+              </a:schemeClr>
+            </a:gs>
+            <a:gs pos="100000">
+              <a:schemeClr val="phClr">
+                <a:lumMod val="105000"/>
+                <a:satMod val="109000"/>
+                <a:tint val="81000"/>
+              </a:schemeClr>
+            </a:gs>
+          </a:gsLst>
+          <a:lin ang="5400000" scaled="0"/>
+        </a:gradFill>
+        <a:gradFill rotWithShape="1">
+          <a:gsLst>
+            <a:gs pos="0">
+              <a:schemeClr val="phClr">
+                <a:satMod val="103000"/>
+                <a:lumMod val="102000"/>
+                <a:tint val="94000"/>
+              </a:schemeClr>
+            </a:gs>
+            <a:gs pos="50000">
+              <a:schemeClr val="phClr">
+                <a:satMod val="110000"/>
+                <a:lumMod val="100000"/>
+                <a:shade val="100000"/>
+              </a:schemeClr>
+            </a:gs>
+            <a:gs pos="100000">
+              <a:schemeClr val="phClr">
+                <a:lumMod val="99000"/>
+                <a:satMod val="120000"/>
+                <a:shade val="78000"/>
+              </a:schemeClr>
+            </a:gs>
+          </a:gsLst>
+          <a:lin ang="5400000" scaled="0"/>
+        </a:gradFill>
+      </a:fillStyleLst>
+      <a:lnStyleLst>
+        <a:ln w="6350" cap="flat" cmpd="sng" algn="ctr">
+          <a:solidFill>
+            <a:schemeClr val="phClr"/>
+          </a:solidFill>
+          <a:prstDash val="solid"/>
+          <a:miter lim="800000"/>
+        </a:ln>
+        <a:ln w="12700" cap="flat" cmpd="sng" algn="ctr">
+          <a:solidFill>
+            <a:schemeClr val="phClr"/>
+          </a:solidFill>
+          <a:prstDash val="solid"/>
+          <a:miter lim="800000"/>
+        </a:ln>
+        <a:ln w="19050" cap="flat" cmpd="sng" algn="ctr">
+          <a:solidFill>
+            <a:schemeClr val="phClr"/>
+          </a:solidFill>
+          <a:prstDash val="solid"/>
+          <a:miter lim="800000"/>
+        </a:ln>
+      </a:lnStyleLst>
+      <a:effectStyleLst>
+        <a:effectStyle>
+          <a:effectLst/>
+        </a:effectStyle>
+        <a:effectStyle>
+          <a:effectLst/>
+        </a:effectStyle>
+        <a:effectStyle>
+          <a:effectLst>
+            <a:outerShdw blurRad="57150" dist="19050" dir="5400000" algn="ctr" rotWithShape="0">
+              <a:srgbClr val="000000">
+                <a:alpha val="63000"/>
+              </a:srgbClr>
+            </a:outerShdw>
+          </a:effectLst>
+        </a:effectStyle>
+      </a:effectStyleLst>
+      <a:bgFillStyleLst>
+        <a:solidFill>
+          <a:schemeClr val="phClr"/>
+        </a:solidFill>
+        <a:solidFill>
+          <a:schemeClr val="phClr">
+            <a:tint val="95000"/>
+            <a:satMod val="170000"/>
+          </a:schemeClr>
+        </a:solidFill>
+        <a:gradFill rotWithShape="1">
+          <a:gsLst>
+            <a:gs pos="0">
+              <a:schemeClr val="phClr">
+                <a:tint val="93000"/>
+                <a:satMod val="150000"/>
+                <a:shade val="98000"/>
+                <a:lumMod val="102000"/>
+              </a:schemeClr>
+            </a:gs>
+            <a:gs pos="50000">
+              <a:schemeClr val="phClr">
+                <a:tint val="98000"/>
+                <a:satMod val="130000"/>
+                <a:shade val="90000"/>
+                <a:lumMod val="103000"/>
+              </a:schemeClr>
+            </a:gs>
+            <a:gs pos="100000">
+              <a:schemeClr val="phClr">
+                <a:shade val="63000"/>
+                <a:satMod val="120000"/>
+              </a:schemeClr>
+            </a:gs>
+          </a:gsLst>
+          <a:lin ang="5400000" scaled="0"/>
+        </a:gradFill>
+      </a:bgFillStyleLst>
+    </a:fmtScheme>
+  </a:themeElements>
+  <a:objectDefaults/>
+  <a:extraClrSchemeLst/>
+  <a:extLst>
+    <a:ext uri="{05A4C25C-085E-4340-85A3-A5531E510DB2}">
+      <thm15:themeFamily xmlns:thm15="http://schemas.microsoft.com/office/thememl/2012/main" name="Office Theme" id="{62F939B6-93AF-4DB8-9C6B-D6C7DFDC589F}" vid="{4A3C46E8-61CC-4603-A589-7422A47A8E4A}"/>
+    </a:ext>
+  </a:extLst>
+</a:theme>
 </file>